--- a/slides/oklahoma-update.pptx
+++ b/slides/oklahoma-update.pptx
@@ -5,13 +5,25 @@
     <p:sldMasterId id="2147483672" r:id="rId1"/>
   </p:sldMasterIdLst>
   <p:notesMasterIdLst>
-    <p:notesMasterId r:id="rId3"/>
+    <p:notesMasterId r:id="rId15"/>
   </p:notesMasterIdLst>
   <p:handoutMasterIdLst>
-    <p:handoutMasterId r:id="rId4"/>
+    <p:handoutMasterId r:id="rId16"/>
   </p:handoutMasterIdLst>
   <p:sldIdLst>
-    <p:sldId id="260" r:id="rId2"/>
+    <p:sldId id="261" r:id="rId2"/>
+    <p:sldId id="263" r:id="rId3"/>
+    <p:sldId id="269" r:id="rId4"/>
+    <p:sldId id="273" r:id="rId5"/>
+    <p:sldId id="267" r:id="rId6"/>
+    <p:sldId id="271" r:id="rId7"/>
+    <p:sldId id="276" r:id="rId8"/>
+    <p:sldId id="266" r:id="rId9"/>
+    <p:sldId id="275" r:id="rId10"/>
+    <p:sldId id="272" r:id="rId11"/>
+    <p:sldId id="268" r:id="rId12"/>
+    <p:sldId id="270" r:id="rId13"/>
+    <p:sldId id="274" r:id="rId14"/>
   </p:sldIdLst>
   <p:sldSz cx="9144000" cy="6858000" type="screen4x3"/>
   <p:notesSz cx="6858000" cy="9144000"/>
@@ -211,7 +223,7 @@
           <a:p>
             <a:fld id="{97CB1905-1EEB-6545-B5E2-B70E8868255E}" type="datetimeFigureOut">
               <a:rPr lang="en-US" smtClean="0"/>
-              <a:t>5/15/2023</a:t>
+              <a:t>6/3/2023</a:t>
             </a:fld>
             <a:endParaRPr lang="en-US"/>
           </a:p>
@@ -377,7 +389,7 @@
           <a:p>
             <a:fld id="{5F53F6BF-7462-9046-A2B6-90C29244BD27}" type="datetimeFigureOut">
               <a:rPr lang="en-US" smtClean="0"/>
-              <a:t>5/15/2023</a:t>
+              <a:t>6/3/2023</a:t>
             </a:fld>
             <a:endParaRPr lang="en-US"/>
           </a:p>
@@ -2354,1257 +2366,1485 @@
       </p:grpSpPr>
       <p:sp>
         <p:nvSpPr>
-          <p:cNvPr id="11" name="TextBox 10">
+          <p:cNvPr id="5" name="Title 4">
             <a:extLst>
               <a:ext uri="{FF2B5EF4-FFF2-40B4-BE49-F238E27FC236}">
-                <a16:creationId xmlns:a16="http://schemas.microsoft.com/office/drawing/2014/main" id="{2A998D32-05F7-BAB5-4AB7-B39802B463AD}"/>
+                <a16:creationId xmlns:a16="http://schemas.microsoft.com/office/drawing/2014/main" id="{6D832542-7700-74A3-368F-5DBED89E9042}"/>
               </a:ext>
             </a:extLst>
           </p:cNvPr>
-          <p:cNvSpPr txBox="1"/>
+          <p:cNvSpPr>
+            <a:spLocks noGrp="1"/>
+          </p:cNvSpPr>
+          <p:nvPr>
+            <p:ph type="ctrTitle"/>
+          </p:nvPr>
+        </p:nvSpPr>
+        <p:spPr/>
+        <p:txBody>
+          <a:bodyPr/>
+          <a:lstStyle/>
+          <a:p>
+            <a:r>
+              <a:rPr lang="en-US" sz="4000" dirty="0">
+                <a:latin typeface="Lucida Grande"/>
+              </a:rPr>
+              <a:t>UC Berkeley-Enel Wind Turbine Health Monitoring</a:t>
+            </a:r>
+          </a:p>
+        </p:txBody>
+      </p:sp>
+      <p:sp>
+        <p:nvSpPr>
+          <p:cNvPr id="6" name="Subtitle 5">
+            <a:extLst>
+              <a:ext uri="{FF2B5EF4-FFF2-40B4-BE49-F238E27FC236}">
+                <a16:creationId xmlns:a16="http://schemas.microsoft.com/office/drawing/2014/main" id="{C2F62F54-2805-3EB7-AF52-549BC436DFD5}"/>
+              </a:ext>
+            </a:extLst>
+          </p:cNvPr>
+          <p:cNvSpPr>
+            <a:spLocks noGrp="1"/>
+          </p:cNvSpPr>
+          <p:nvPr>
+            <p:ph type="subTitle" idx="1"/>
+          </p:nvPr>
+        </p:nvSpPr>
+        <p:spPr/>
+        <p:txBody>
+          <a:bodyPr/>
+          <a:lstStyle/>
+          <a:p>
+            <a:r>
+              <a:rPr lang="en-US" dirty="0"/>
+              <a:t>06/03/23</a:t>
+            </a:r>
+          </a:p>
+        </p:txBody>
+      </p:sp>
+    </p:spTree>
+    <p:extLst>
+      <p:ext uri="{BB962C8B-B14F-4D97-AF65-F5344CB8AC3E}">
+        <p14:creationId xmlns:p14="http://schemas.microsoft.com/office/powerpoint/2010/main" val="361729862"/>
+      </p:ext>
+    </p:extLst>
+  </p:cSld>
+  <p:clrMapOvr>
+    <a:masterClrMapping/>
+  </p:clrMapOvr>
+</p:sld>
+</file>
+
+<file path=ppt/slides/slide10.xml><?xml version="1.0" encoding="utf-8"?>
+<p:sld xmlns:a="http://schemas.openxmlformats.org/drawingml/2006/main" xmlns:r="http://schemas.openxmlformats.org/officeDocument/2006/relationships" xmlns:p="http://schemas.openxmlformats.org/presentationml/2006/main">
+  <p:cSld>
+    <p:spTree>
+      <p:nvGrpSpPr>
+        <p:cNvPr id="1" name=""/>
+        <p:cNvGrpSpPr/>
+        <p:nvPr/>
+      </p:nvGrpSpPr>
+      <p:grpSpPr>
+        <a:xfrm>
+          <a:off x="0" y="0"/>
+          <a:ext cx="0" cy="0"/>
+          <a:chOff x="0" y="0"/>
+          <a:chExt cx="0" cy="0"/>
+        </a:xfrm>
+      </p:grpSpPr>
+      <p:sp>
+        <p:nvSpPr>
+          <p:cNvPr id="12" name="Title 1">
+            <a:extLst>
+              <a:ext uri="{FF2B5EF4-FFF2-40B4-BE49-F238E27FC236}">
+                <a16:creationId xmlns:a16="http://schemas.microsoft.com/office/drawing/2014/main" id="{1B291FE6-B4FB-9CD1-FA7F-9C631FD53CB3}"/>
+              </a:ext>
+            </a:extLst>
+          </p:cNvPr>
+          <p:cNvSpPr>
+            <a:spLocks noGrp="1"/>
+          </p:cNvSpPr>
+          <p:nvPr>
+            <p:ph type="title"/>
+          </p:nvPr>
+        </p:nvSpPr>
+        <p:spPr>
+          <a:xfrm>
+            <a:off x="469899" y="326755"/>
+            <a:ext cx="8230217" cy="1150353"/>
+          </a:xfrm>
+        </p:spPr>
+        <p:txBody>
+          <a:bodyPr/>
+          <a:lstStyle/>
+          <a:p>
+            <a:r>
+              <a:rPr lang="en-US" dirty="0">
+                <a:latin typeface="Lucida Grande"/>
+              </a:rPr>
+              <a:t>Installation</a:t>
+            </a:r>
+          </a:p>
+        </p:txBody>
+      </p:sp>
+      <p:sp>
+        <p:nvSpPr>
+          <p:cNvPr id="14" name="Content Placeholder 2">
+            <a:extLst>
+              <a:ext uri="{FF2B5EF4-FFF2-40B4-BE49-F238E27FC236}">
+                <a16:creationId xmlns:a16="http://schemas.microsoft.com/office/drawing/2014/main" id="{992E8464-20C5-FEA9-270F-6E2867BC4117}"/>
+              </a:ext>
+            </a:extLst>
+          </p:cNvPr>
+          <p:cNvSpPr>
+            <a:spLocks noGrp="1"/>
+          </p:cNvSpPr>
+          <p:nvPr>
+            <p:ph idx="1"/>
+          </p:nvPr>
+        </p:nvSpPr>
+        <p:spPr>
+          <a:xfrm>
+            <a:off x="482600" y="1553591"/>
+            <a:ext cx="8217516" cy="3932393"/>
+          </a:xfrm>
+        </p:spPr>
+        <p:txBody>
+          <a:bodyPr/>
+          <a:lstStyle/>
+          <a:p>
+            <a:r>
+              <a:rPr lang="en-US" dirty="0"/>
+              <a:t>Wind Turbine</a:t>
+            </a:r>
+          </a:p>
+        </p:txBody>
+      </p:sp>
+    </p:spTree>
+    <p:extLst>
+      <p:ext uri="{BB962C8B-B14F-4D97-AF65-F5344CB8AC3E}">
+        <p14:creationId xmlns:p14="http://schemas.microsoft.com/office/powerpoint/2010/main" val="4204064358"/>
+      </p:ext>
+    </p:extLst>
+  </p:cSld>
+  <p:clrMapOvr>
+    <a:masterClrMapping/>
+  </p:clrMapOvr>
+</p:sld>
+</file>
+
+<file path=ppt/slides/slide11.xml><?xml version="1.0" encoding="utf-8"?>
+<p:sld xmlns:a="http://schemas.openxmlformats.org/drawingml/2006/main" xmlns:r="http://schemas.openxmlformats.org/officeDocument/2006/relationships" xmlns:p="http://schemas.openxmlformats.org/presentationml/2006/main">
+  <p:cSld>
+    <p:spTree>
+      <p:nvGrpSpPr>
+        <p:cNvPr id="1" name=""/>
+        <p:cNvGrpSpPr/>
+        <p:nvPr/>
+      </p:nvGrpSpPr>
+      <p:grpSpPr>
+        <a:xfrm>
+          <a:off x="0" y="0"/>
+          <a:ext cx="0" cy="0"/>
+          <a:chOff x="0" y="0"/>
+          <a:chExt cx="0" cy="0"/>
+        </a:xfrm>
+      </p:grpSpPr>
+      <p:sp>
+        <p:nvSpPr>
+          <p:cNvPr id="12" name="Title 1">
+            <a:extLst>
+              <a:ext uri="{FF2B5EF4-FFF2-40B4-BE49-F238E27FC236}">
+                <a16:creationId xmlns:a16="http://schemas.microsoft.com/office/drawing/2014/main" id="{1B291FE6-B4FB-9CD1-FA7F-9C631FD53CB3}"/>
+              </a:ext>
+            </a:extLst>
+          </p:cNvPr>
+          <p:cNvSpPr>
+            <a:spLocks noGrp="1"/>
+          </p:cNvSpPr>
+          <p:nvPr>
+            <p:ph type="title"/>
+          </p:nvPr>
+        </p:nvSpPr>
+        <p:spPr>
+          <a:xfrm>
+            <a:off x="469899" y="326755"/>
+            <a:ext cx="8230217" cy="1150353"/>
+          </a:xfrm>
+        </p:spPr>
+        <p:txBody>
+          <a:bodyPr/>
+          <a:lstStyle/>
+          <a:p>
+            <a:r>
+              <a:rPr lang="en-US" dirty="0">
+                <a:latin typeface="Lucida Grande"/>
+              </a:rPr>
+              <a:t>Some Preliminary Results</a:t>
+            </a:r>
+          </a:p>
+        </p:txBody>
+      </p:sp>
+      <p:sp>
+        <p:nvSpPr>
+          <p:cNvPr id="14" name="Content Placeholder 2">
+            <a:extLst>
+              <a:ext uri="{FF2B5EF4-FFF2-40B4-BE49-F238E27FC236}">
+                <a16:creationId xmlns:a16="http://schemas.microsoft.com/office/drawing/2014/main" id="{992E8464-20C5-FEA9-270F-6E2867BC4117}"/>
+              </a:ext>
+            </a:extLst>
+          </p:cNvPr>
+          <p:cNvSpPr>
+            <a:spLocks noGrp="1"/>
+          </p:cNvSpPr>
+          <p:nvPr>
+            <p:ph idx="1"/>
+          </p:nvPr>
+        </p:nvSpPr>
+        <p:spPr>
+          <a:xfrm>
+            <a:off x="482600" y="1553591"/>
+            <a:ext cx="8217516" cy="3932393"/>
+          </a:xfrm>
+        </p:spPr>
+        <p:txBody>
+          <a:bodyPr/>
+          <a:lstStyle/>
+          <a:p>
+            <a:r>
+              <a:rPr lang="en-US" dirty="0"/>
+              <a:t>Wind Turbine</a:t>
+            </a:r>
+          </a:p>
+        </p:txBody>
+      </p:sp>
+    </p:spTree>
+    <p:extLst>
+      <p:ext uri="{BB962C8B-B14F-4D97-AF65-F5344CB8AC3E}">
+        <p14:creationId xmlns:p14="http://schemas.microsoft.com/office/powerpoint/2010/main" val="58694915"/>
+      </p:ext>
+    </p:extLst>
+  </p:cSld>
+  <p:clrMapOvr>
+    <a:masterClrMapping/>
+  </p:clrMapOvr>
+</p:sld>
+</file>
+
+<file path=ppt/slides/slide12.xml><?xml version="1.0" encoding="utf-8"?>
+<p:sld xmlns:a="http://schemas.openxmlformats.org/drawingml/2006/main" xmlns:r="http://schemas.openxmlformats.org/officeDocument/2006/relationships" xmlns:p="http://schemas.openxmlformats.org/presentationml/2006/main">
+  <p:cSld>
+    <p:spTree>
+      <p:nvGrpSpPr>
+        <p:cNvPr id="1" name=""/>
+        <p:cNvGrpSpPr/>
+        <p:nvPr/>
+      </p:nvGrpSpPr>
+      <p:grpSpPr>
+        <a:xfrm>
+          <a:off x="0" y="0"/>
+          <a:ext cx="0" cy="0"/>
+          <a:chOff x="0" y="0"/>
+          <a:chExt cx="0" cy="0"/>
+        </a:xfrm>
+      </p:grpSpPr>
+      <p:sp>
+        <p:nvSpPr>
+          <p:cNvPr id="12" name="Title 1">
+            <a:extLst>
+              <a:ext uri="{FF2B5EF4-FFF2-40B4-BE49-F238E27FC236}">
+                <a16:creationId xmlns:a16="http://schemas.microsoft.com/office/drawing/2014/main" id="{1B291FE6-B4FB-9CD1-FA7F-9C631FD53CB3}"/>
+              </a:ext>
+            </a:extLst>
+          </p:cNvPr>
+          <p:cNvSpPr>
+            <a:spLocks noGrp="1"/>
+          </p:cNvSpPr>
+          <p:nvPr>
+            <p:ph type="title"/>
+          </p:nvPr>
+        </p:nvSpPr>
+        <p:spPr>
+          <a:xfrm>
+            <a:off x="469899" y="326755"/>
+            <a:ext cx="8230217" cy="1150353"/>
+          </a:xfrm>
+        </p:spPr>
+        <p:txBody>
+          <a:bodyPr/>
+          <a:lstStyle/>
+          <a:p>
+            <a:r>
+              <a:rPr lang="en-US" dirty="0">
+                <a:latin typeface="Lucida Grande"/>
+              </a:rPr>
+              <a:t>Some Preliminary Results</a:t>
+            </a:r>
+          </a:p>
+        </p:txBody>
+      </p:sp>
+      <p:sp>
+        <p:nvSpPr>
+          <p:cNvPr id="14" name="Content Placeholder 2">
+            <a:extLst>
+              <a:ext uri="{FF2B5EF4-FFF2-40B4-BE49-F238E27FC236}">
+                <a16:creationId xmlns:a16="http://schemas.microsoft.com/office/drawing/2014/main" id="{992E8464-20C5-FEA9-270F-6E2867BC4117}"/>
+              </a:ext>
+            </a:extLst>
+          </p:cNvPr>
+          <p:cNvSpPr>
+            <a:spLocks noGrp="1"/>
+          </p:cNvSpPr>
+          <p:nvPr>
+            <p:ph idx="1"/>
+          </p:nvPr>
+        </p:nvSpPr>
+        <p:spPr>
+          <a:xfrm>
+            <a:off x="482600" y="1553591"/>
+            <a:ext cx="8217516" cy="3932393"/>
+          </a:xfrm>
+        </p:spPr>
+        <p:txBody>
+          <a:bodyPr/>
+          <a:lstStyle/>
+          <a:p>
+            <a:r>
+              <a:rPr lang="en-US" dirty="0"/>
+              <a:t>Wind Turbine</a:t>
+            </a:r>
+          </a:p>
+        </p:txBody>
+      </p:sp>
+    </p:spTree>
+    <p:extLst>
+      <p:ext uri="{BB962C8B-B14F-4D97-AF65-F5344CB8AC3E}">
+        <p14:creationId xmlns:p14="http://schemas.microsoft.com/office/powerpoint/2010/main" val="3522303877"/>
+      </p:ext>
+    </p:extLst>
+  </p:cSld>
+  <p:clrMapOvr>
+    <a:masterClrMapping/>
+  </p:clrMapOvr>
+</p:sld>
+</file>
+
+<file path=ppt/slides/slide13.xml><?xml version="1.0" encoding="utf-8"?>
+<p:sld xmlns:a="http://schemas.openxmlformats.org/drawingml/2006/main" xmlns:r="http://schemas.openxmlformats.org/officeDocument/2006/relationships" xmlns:p="http://schemas.openxmlformats.org/presentationml/2006/main">
+  <p:cSld>
+    <p:spTree>
+      <p:nvGrpSpPr>
+        <p:cNvPr id="1" name=""/>
+        <p:cNvGrpSpPr/>
+        <p:nvPr/>
+      </p:nvGrpSpPr>
+      <p:grpSpPr>
+        <a:xfrm>
+          <a:off x="0" y="0"/>
+          <a:ext cx="0" cy="0"/>
+          <a:chOff x="0" y="0"/>
+          <a:chExt cx="0" cy="0"/>
+        </a:xfrm>
+      </p:grpSpPr>
+      <p:sp>
+        <p:nvSpPr>
+          <p:cNvPr id="12" name="Title 1">
+            <a:extLst>
+              <a:ext uri="{FF2B5EF4-FFF2-40B4-BE49-F238E27FC236}">
+                <a16:creationId xmlns:a16="http://schemas.microsoft.com/office/drawing/2014/main" id="{1B291FE6-B4FB-9CD1-FA7F-9C631FD53CB3}"/>
+              </a:ext>
+            </a:extLst>
+          </p:cNvPr>
+          <p:cNvSpPr>
+            <a:spLocks noGrp="1"/>
+          </p:cNvSpPr>
+          <p:nvPr>
+            <p:ph type="title"/>
+          </p:nvPr>
+        </p:nvSpPr>
+        <p:spPr>
+          <a:xfrm>
+            <a:off x="469899" y="326755"/>
+            <a:ext cx="8230217" cy="1150353"/>
+          </a:xfrm>
+        </p:spPr>
+        <p:txBody>
+          <a:bodyPr/>
+          <a:lstStyle/>
+          <a:p>
+            <a:r>
+              <a:rPr lang="en-US" dirty="0">
+                <a:latin typeface="Lucida Grande"/>
+              </a:rPr>
+              <a:t>Future Work</a:t>
+            </a:r>
+          </a:p>
+        </p:txBody>
+      </p:sp>
+      <p:sp>
+        <p:nvSpPr>
+          <p:cNvPr id="14" name="Content Placeholder 2">
+            <a:extLst>
+              <a:ext uri="{FF2B5EF4-FFF2-40B4-BE49-F238E27FC236}">
+                <a16:creationId xmlns:a16="http://schemas.microsoft.com/office/drawing/2014/main" id="{992E8464-20C5-FEA9-270F-6E2867BC4117}"/>
+              </a:ext>
+            </a:extLst>
+          </p:cNvPr>
+          <p:cNvSpPr>
+            <a:spLocks noGrp="1"/>
+          </p:cNvSpPr>
+          <p:nvPr>
+            <p:ph idx="1"/>
+          </p:nvPr>
+        </p:nvSpPr>
+        <p:spPr>
+          <a:xfrm>
+            <a:off x="482600" y="1553591"/>
+            <a:ext cx="8217516" cy="3932393"/>
+          </a:xfrm>
+        </p:spPr>
+        <p:txBody>
+          <a:bodyPr/>
+          <a:lstStyle/>
+          <a:p>
+            <a:r>
+              <a:rPr lang="en-US" dirty="0"/>
+              <a:t>Wind Turbine</a:t>
+            </a:r>
+          </a:p>
+        </p:txBody>
+      </p:sp>
+    </p:spTree>
+    <p:extLst>
+      <p:ext uri="{BB962C8B-B14F-4D97-AF65-F5344CB8AC3E}">
+        <p14:creationId xmlns:p14="http://schemas.microsoft.com/office/powerpoint/2010/main" val="4124539775"/>
+      </p:ext>
+    </p:extLst>
+  </p:cSld>
+  <p:clrMapOvr>
+    <a:masterClrMapping/>
+  </p:clrMapOvr>
+</p:sld>
+</file>
+
+<file path=ppt/slides/slide2.xml><?xml version="1.0" encoding="utf-8"?>
+<p:sld xmlns:a="http://schemas.openxmlformats.org/drawingml/2006/main" xmlns:r="http://schemas.openxmlformats.org/officeDocument/2006/relationships" xmlns:p="http://schemas.openxmlformats.org/presentationml/2006/main">
+  <p:cSld>
+    <p:spTree>
+      <p:nvGrpSpPr>
+        <p:cNvPr id="1" name=""/>
+        <p:cNvGrpSpPr/>
+        <p:nvPr/>
+      </p:nvGrpSpPr>
+      <p:grpSpPr>
+        <a:xfrm>
+          <a:off x="0" y="0"/>
+          <a:ext cx="0" cy="0"/>
+          <a:chOff x="0" y="0"/>
+          <a:chExt cx="0" cy="0"/>
+        </a:xfrm>
+      </p:grpSpPr>
+      <p:sp>
+        <p:nvSpPr>
+          <p:cNvPr id="12" name="Title 1">
+            <a:extLst>
+              <a:ext uri="{FF2B5EF4-FFF2-40B4-BE49-F238E27FC236}">
+                <a16:creationId xmlns:a16="http://schemas.microsoft.com/office/drawing/2014/main" id="{1B291FE6-B4FB-9CD1-FA7F-9C631FD53CB3}"/>
+              </a:ext>
+            </a:extLst>
+          </p:cNvPr>
+          <p:cNvSpPr>
+            <a:spLocks noGrp="1"/>
+          </p:cNvSpPr>
+          <p:nvPr>
+            <p:ph type="title"/>
+          </p:nvPr>
+        </p:nvSpPr>
+        <p:spPr>
+          <a:xfrm>
+            <a:off x="469899" y="326755"/>
+            <a:ext cx="8230217" cy="1150353"/>
+          </a:xfrm>
+        </p:spPr>
+        <p:txBody>
+          <a:bodyPr/>
+          <a:lstStyle/>
+          <a:p>
+            <a:r>
+              <a:rPr lang="en-US" dirty="0">
+                <a:latin typeface="Lucida Grande"/>
+              </a:rPr>
+              <a:t>Background</a:t>
+            </a:r>
+          </a:p>
+        </p:txBody>
+      </p:sp>
+      <p:sp>
+        <p:nvSpPr>
+          <p:cNvPr id="14" name="Content Placeholder 2">
+            <a:extLst>
+              <a:ext uri="{FF2B5EF4-FFF2-40B4-BE49-F238E27FC236}">
+                <a16:creationId xmlns:a16="http://schemas.microsoft.com/office/drawing/2014/main" id="{992E8464-20C5-FEA9-270F-6E2867BC4117}"/>
+              </a:ext>
+            </a:extLst>
+          </p:cNvPr>
+          <p:cNvSpPr>
+            <a:spLocks noGrp="1"/>
+          </p:cNvSpPr>
+          <p:nvPr>
+            <p:ph idx="1"/>
+          </p:nvPr>
+        </p:nvSpPr>
+        <p:spPr>
+          <a:xfrm>
+            <a:off x="482600" y="1553591"/>
+            <a:ext cx="8217516" cy="3932393"/>
+          </a:xfrm>
+        </p:spPr>
+        <p:txBody>
+          <a:bodyPr/>
+          <a:lstStyle/>
+          <a:p>
+            <a:r>
+              <a:rPr lang="en-US" dirty="0"/>
+              <a:t>Wind Turbines have </a:t>
+            </a:r>
+          </a:p>
+          <a:p>
+            <a:r>
+              <a:rPr lang="en-US" dirty="0"/>
+              <a:t>ODH3</a:t>
+            </a:r>
+          </a:p>
+          <a:p>
+            <a:pPr lvl="1"/>
+            <a:r>
+              <a:rPr lang="en-US" dirty="0"/>
+              <a:t>Φ-OTDR</a:t>
+            </a:r>
+          </a:p>
+          <a:p>
+            <a:r>
+              <a:rPr lang="en-US" dirty="0"/>
+              <a:t>Luna Innovations</a:t>
+            </a:r>
+          </a:p>
+          <a:p>
+            <a:pPr lvl="1"/>
+            <a:r>
+              <a:rPr lang="en-US" dirty="0"/>
+              <a:t>OFDR </a:t>
+            </a:r>
+          </a:p>
+          <a:p>
+            <a:endParaRPr lang="en-US" dirty="0"/>
+          </a:p>
+        </p:txBody>
+      </p:sp>
+    </p:spTree>
+    <p:extLst>
+      <p:ext uri="{BB962C8B-B14F-4D97-AF65-F5344CB8AC3E}">
+        <p14:creationId xmlns:p14="http://schemas.microsoft.com/office/powerpoint/2010/main" val="3881073220"/>
+      </p:ext>
+    </p:extLst>
+  </p:cSld>
+  <p:clrMapOvr>
+    <a:masterClrMapping/>
+  </p:clrMapOvr>
+</p:sld>
+</file>
+
+<file path=ppt/slides/slide3.xml><?xml version="1.0" encoding="utf-8"?>
+<p:sld xmlns:a="http://schemas.openxmlformats.org/drawingml/2006/main" xmlns:r="http://schemas.openxmlformats.org/officeDocument/2006/relationships" xmlns:p="http://schemas.openxmlformats.org/presentationml/2006/main">
+  <p:cSld>
+    <p:spTree>
+      <p:nvGrpSpPr>
+        <p:cNvPr id="1" name=""/>
+        <p:cNvGrpSpPr/>
+        <p:nvPr/>
+      </p:nvGrpSpPr>
+      <p:grpSpPr>
+        <a:xfrm>
+          <a:off x="0" y="0"/>
+          <a:ext cx="0" cy="0"/>
+          <a:chOff x="0" y="0"/>
+          <a:chExt cx="0" cy="0"/>
+        </a:xfrm>
+      </p:grpSpPr>
+      <p:sp>
+        <p:nvSpPr>
+          <p:cNvPr id="12" name="Title 1">
+            <a:extLst>
+              <a:ext uri="{FF2B5EF4-FFF2-40B4-BE49-F238E27FC236}">
+                <a16:creationId xmlns:a16="http://schemas.microsoft.com/office/drawing/2014/main" id="{1B291FE6-B4FB-9CD1-FA7F-9C631FD53CB3}"/>
+              </a:ext>
+            </a:extLst>
+          </p:cNvPr>
+          <p:cNvSpPr>
+            <a:spLocks noGrp="1"/>
+          </p:cNvSpPr>
+          <p:nvPr>
+            <p:ph type="title"/>
+          </p:nvPr>
+        </p:nvSpPr>
+        <p:spPr>
+          <a:xfrm>
+            <a:off x="469899" y="326755"/>
+            <a:ext cx="8230217" cy="1150353"/>
+          </a:xfrm>
+        </p:spPr>
+        <p:txBody>
+          <a:bodyPr/>
+          <a:lstStyle/>
+          <a:p>
+            <a:r>
+              <a:rPr lang="en-US" dirty="0">
+                <a:latin typeface="Lucida Grande"/>
+              </a:rPr>
+              <a:t>Background</a:t>
+            </a:r>
+          </a:p>
+        </p:txBody>
+      </p:sp>
+      <p:sp>
+        <p:nvSpPr>
+          <p:cNvPr id="14" name="Content Placeholder 2">
+            <a:extLst>
+              <a:ext uri="{FF2B5EF4-FFF2-40B4-BE49-F238E27FC236}">
+                <a16:creationId xmlns:a16="http://schemas.microsoft.com/office/drawing/2014/main" id="{992E8464-20C5-FEA9-270F-6E2867BC4117}"/>
+              </a:ext>
+            </a:extLst>
+          </p:cNvPr>
+          <p:cNvSpPr>
+            <a:spLocks noGrp="1"/>
+          </p:cNvSpPr>
+          <p:nvPr>
+            <p:ph idx="1"/>
+          </p:nvPr>
+        </p:nvSpPr>
+        <p:spPr>
+          <a:xfrm>
+            <a:off x="482600" y="1553591"/>
+            <a:ext cx="8217516" cy="3932393"/>
+          </a:xfrm>
+        </p:spPr>
+        <p:txBody>
+          <a:bodyPr/>
+          <a:lstStyle/>
+          <a:p>
+            <a:r>
+              <a:rPr lang="en-US" dirty="0"/>
+              <a:t>Big picture idea</a:t>
+            </a:r>
+          </a:p>
+          <a:p>
+            <a:r>
+              <a:rPr lang="en-US" dirty="0"/>
+              <a:t>Statistically correlate with SCADA data</a:t>
+            </a:r>
+          </a:p>
+          <a:p>
+            <a:pPr lvl="1"/>
+            <a:r>
+              <a:rPr lang="en-US" dirty="0"/>
+              <a:t>Extract features that are able to </a:t>
+            </a:r>
+          </a:p>
+        </p:txBody>
+      </p:sp>
+    </p:spTree>
+    <p:extLst>
+      <p:ext uri="{BB962C8B-B14F-4D97-AF65-F5344CB8AC3E}">
+        <p14:creationId xmlns:p14="http://schemas.microsoft.com/office/powerpoint/2010/main" val="3984483177"/>
+      </p:ext>
+    </p:extLst>
+  </p:cSld>
+  <p:clrMapOvr>
+    <a:masterClrMapping/>
+  </p:clrMapOvr>
+</p:sld>
+</file>
+
+<file path=ppt/slides/slide4.xml><?xml version="1.0" encoding="utf-8"?>
+<p:sld xmlns:a="http://schemas.openxmlformats.org/drawingml/2006/main" xmlns:r="http://schemas.openxmlformats.org/officeDocument/2006/relationships" xmlns:p="http://schemas.openxmlformats.org/presentationml/2006/main">
+  <p:cSld>
+    <p:spTree>
+      <p:nvGrpSpPr>
+        <p:cNvPr id="1" name=""/>
+        <p:cNvGrpSpPr/>
+        <p:nvPr/>
+      </p:nvGrpSpPr>
+      <p:grpSpPr>
+        <a:xfrm>
+          <a:off x="0" y="0"/>
+          <a:ext cx="0" cy="0"/>
+          <a:chOff x="0" y="0"/>
+          <a:chExt cx="0" cy="0"/>
+        </a:xfrm>
+      </p:grpSpPr>
+      <p:sp>
+        <p:nvSpPr>
+          <p:cNvPr id="12" name="Title 1">
+            <a:extLst>
+              <a:ext uri="{FF2B5EF4-FFF2-40B4-BE49-F238E27FC236}">
+                <a16:creationId xmlns:a16="http://schemas.microsoft.com/office/drawing/2014/main" id="{1B291FE6-B4FB-9CD1-FA7F-9C631FD53CB3}"/>
+              </a:ext>
+            </a:extLst>
+          </p:cNvPr>
+          <p:cNvSpPr>
+            <a:spLocks noGrp="1"/>
+          </p:cNvSpPr>
+          <p:nvPr>
+            <p:ph type="title"/>
+          </p:nvPr>
+        </p:nvSpPr>
+        <p:spPr>
+          <a:xfrm>
+            <a:off x="469899" y="326755"/>
+            <a:ext cx="8230217" cy="1150353"/>
+          </a:xfrm>
+        </p:spPr>
+        <p:txBody>
+          <a:bodyPr/>
+          <a:lstStyle/>
+          <a:p>
+            <a:r>
+              <a:rPr lang="en-US" dirty="0">
+                <a:latin typeface="Lucida Grande"/>
+              </a:rPr>
+              <a:t>Instrumentation</a:t>
+            </a:r>
+          </a:p>
+        </p:txBody>
+      </p:sp>
+      <p:sp>
+        <p:nvSpPr>
+          <p:cNvPr id="14" name="Content Placeholder 2">
+            <a:extLst>
+              <a:ext uri="{FF2B5EF4-FFF2-40B4-BE49-F238E27FC236}">
+                <a16:creationId xmlns:a16="http://schemas.microsoft.com/office/drawing/2014/main" id="{992E8464-20C5-FEA9-270F-6E2867BC4117}"/>
+              </a:ext>
+            </a:extLst>
+          </p:cNvPr>
+          <p:cNvSpPr>
+            <a:spLocks noGrp="1"/>
+          </p:cNvSpPr>
+          <p:nvPr>
+            <p:ph idx="1"/>
+          </p:nvPr>
+        </p:nvSpPr>
+        <p:spPr>
+          <a:xfrm>
+            <a:off x="482600" y="1553591"/>
+            <a:ext cx="8217516" cy="3932393"/>
+          </a:xfrm>
+        </p:spPr>
+        <p:txBody>
+          <a:bodyPr/>
+          <a:lstStyle/>
+          <a:p>
+            <a:r>
+              <a:rPr lang="en-US" dirty="0"/>
+              <a:t>Location</a:t>
+            </a:r>
+          </a:p>
+          <a:p>
+            <a:r>
+              <a:rPr lang="en-US" dirty="0"/>
+              <a:t>Wind Farm</a:t>
+            </a:r>
+          </a:p>
+          <a:p>
+            <a:r>
+              <a:rPr lang="en-US" dirty="0"/>
+              <a:t>Type of tower</a:t>
+            </a:r>
+          </a:p>
+          <a:p>
+            <a:pPr lvl="1"/>
+            <a:r>
+              <a:rPr lang="en-US" dirty="0"/>
+              <a:t>Some basic attributes</a:t>
+            </a:r>
+          </a:p>
+        </p:txBody>
+      </p:sp>
+    </p:spTree>
+    <p:extLst>
+      <p:ext uri="{BB962C8B-B14F-4D97-AF65-F5344CB8AC3E}">
+        <p14:creationId xmlns:p14="http://schemas.microsoft.com/office/powerpoint/2010/main" val="255705372"/>
+      </p:ext>
+    </p:extLst>
+  </p:cSld>
+  <p:clrMapOvr>
+    <a:masterClrMapping/>
+  </p:clrMapOvr>
+</p:sld>
+</file>
+
+<file path=ppt/slides/slide5.xml><?xml version="1.0" encoding="utf-8"?>
+<p:sld xmlns:a="http://schemas.openxmlformats.org/drawingml/2006/main" xmlns:r="http://schemas.openxmlformats.org/officeDocument/2006/relationships" xmlns:p="http://schemas.openxmlformats.org/presentationml/2006/main">
+  <p:cSld>
+    <p:spTree>
+      <p:nvGrpSpPr>
+        <p:cNvPr id="1" name=""/>
+        <p:cNvGrpSpPr/>
+        <p:nvPr/>
+      </p:nvGrpSpPr>
+      <p:grpSpPr>
+        <a:xfrm>
+          <a:off x="0" y="0"/>
+          <a:ext cx="0" cy="0"/>
+          <a:chOff x="0" y="0"/>
+          <a:chExt cx="0" cy="0"/>
+        </a:xfrm>
+      </p:grpSpPr>
+      <p:sp>
+        <p:nvSpPr>
+          <p:cNvPr id="12" name="Title 1">
+            <a:extLst>
+              <a:ext uri="{FF2B5EF4-FFF2-40B4-BE49-F238E27FC236}">
+                <a16:creationId xmlns:a16="http://schemas.microsoft.com/office/drawing/2014/main" id="{1B291FE6-B4FB-9CD1-FA7F-9C631FD53CB3}"/>
+              </a:ext>
+            </a:extLst>
+          </p:cNvPr>
+          <p:cNvSpPr>
+            <a:spLocks noGrp="1"/>
+          </p:cNvSpPr>
+          <p:nvPr>
+            <p:ph type="title"/>
+          </p:nvPr>
+        </p:nvSpPr>
+        <p:spPr>
+          <a:xfrm>
+            <a:off x="469899" y="326755"/>
+            <a:ext cx="8230217" cy="1150353"/>
+          </a:xfrm>
+        </p:spPr>
+        <p:txBody>
+          <a:bodyPr/>
+          <a:lstStyle/>
+          <a:p>
+            <a:r>
+              <a:rPr lang="en-US" dirty="0">
+                <a:latin typeface="Lucida Grande"/>
+              </a:rPr>
+              <a:t>Instrumentation</a:t>
+            </a:r>
+          </a:p>
+        </p:txBody>
+      </p:sp>
+      <p:sp>
+        <p:nvSpPr>
+          <p:cNvPr id="14" name="Content Placeholder 2">
+            <a:extLst>
+              <a:ext uri="{FF2B5EF4-FFF2-40B4-BE49-F238E27FC236}">
+                <a16:creationId xmlns:a16="http://schemas.microsoft.com/office/drawing/2014/main" id="{992E8464-20C5-FEA9-270F-6E2867BC4117}"/>
+              </a:ext>
+            </a:extLst>
+          </p:cNvPr>
+          <p:cNvSpPr>
+            <a:spLocks noGrp="1"/>
+          </p:cNvSpPr>
+          <p:nvPr>
+            <p:ph idx="1"/>
+          </p:nvPr>
+        </p:nvSpPr>
+        <p:spPr>
+          <a:xfrm>
+            <a:off x="482600" y="1553591"/>
+            <a:ext cx="8217516" cy="3932393"/>
+          </a:xfrm>
+        </p:spPr>
+        <p:txBody>
+          <a:bodyPr/>
+          <a:lstStyle/>
+          <a:p>
+            <a:r>
+              <a:rPr lang="en-US" dirty="0"/>
+              <a:t>How can we capture the behavior of the wind turbine tower?</a:t>
+            </a:r>
+          </a:p>
+          <a:p>
+            <a:r>
+              <a:rPr lang="en-US" dirty="0"/>
+              <a:t>Dynamic</a:t>
+            </a:r>
+          </a:p>
+        </p:txBody>
+      </p:sp>
+    </p:spTree>
+    <p:extLst>
+      <p:ext uri="{BB962C8B-B14F-4D97-AF65-F5344CB8AC3E}">
+        <p14:creationId xmlns:p14="http://schemas.microsoft.com/office/powerpoint/2010/main" val="2327619824"/>
+      </p:ext>
+    </p:extLst>
+  </p:cSld>
+  <p:clrMapOvr>
+    <a:masterClrMapping/>
+  </p:clrMapOvr>
+</p:sld>
+</file>
+
+<file path=ppt/slides/slide6.xml><?xml version="1.0" encoding="utf-8"?>
+<p:sld xmlns:a="http://schemas.openxmlformats.org/drawingml/2006/main" xmlns:r="http://schemas.openxmlformats.org/officeDocument/2006/relationships" xmlns:p="http://schemas.openxmlformats.org/presentationml/2006/main">
+  <p:cSld>
+    <p:spTree>
+      <p:nvGrpSpPr>
+        <p:cNvPr id="1" name=""/>
+        <p:cNvGrpSpPr/>
+        <p:nvPr/>
+      </p:nvGrpSpPr>
+      <p:grpSpPr>
+        <a:xfrm>
+          <a:off x="0" y="0"/>
+          <a:ext cx="0" cy="0"/>
+          <a:chOff x="0" y="0"/>
+          <a:chExt cx="0" cy="0"/>
+        </a:xfrm>
+      </p:grpSpPr>
+      <p:sp>
+        <p:nvSpPr>
+          <p:cNvPr id="12" name="Title 1">
+            <a:extLst>
+              <a:ext uri="{FF2B5EF4-FFF2-40B4-BE49-F238E27FC236}">
+                <a16:creationId xmlns:a16="http://schemas.microsoft.com/office/drawing/2014/main" id="{1B291FE6-B4FB-9CD1-FA7F-9C631FD53CB3}"/>
+              </a:ext>
+            </a:extLst>
+          </p:cNvPr>
+          <p:cNvSpPr>
+            <a:spLocks noGrp="1"/>
+          </p:cNvSpPr>
+          <p:nvPr>
+            <p:ph type="title"/>
+          </p:nvPr>
+        </p:nvSpPr>
+        <p:spPr>
+          <a:xfrm>
+            <a:off x="469899" y="326755"/>
+            <a:ext cx="8230217" cy="1150353"/>
+          </a:xfrm>
+        </p:spPr>
+        <p:txBody>
+          <a:bodyPr/>
+          <a:lstStyle/>
+          <a:p>
+            <a:r>
+              <a:rPr lang="en-US" dirty="0">
+                <a:latin typeface="Lucida Grande"/>
+              </a:rPr>
+              <a:t>Monitoring Plan</a:t>
+            </a:r>
+          </a:p>
+        </p:txBody>
+      </p:sp>
+      <p:sp>
+        <p:nvSpPr>
+          <p:cNvPr id="14" name="Content Placeholder 2">
+            <a:extLst>
+              <a:ext uri="{FF2B5EF4-FFF2-40B4-BE49-F238E27FC236}">
+                <a16:creationId xmlns:a16="http://schemas.microsoft.com/office/drawing/2014/main" id="{992E8464-20C5-FEA9-270F-6E2867BC4117}"/>
+              </a:ext>
+            </a:extLst>
+          </p:cNvPr>
+          <p:cNvSpPr>
+            <a:spLocks noGrp="1"/>
+          </p:cNvSpPr>
+          <p:nvPr>
+            <p:ph idx="1"/>
+          </p:nvPr>
+        </p:nvSpPr>
+        <p:spPr>
+          <a:xfrm>
+            <a:off x="482600" y="1553591"/>
+            <a:ext cx="8217516" cy="3932393"/>
+          </a:xfrm>
+        </p:spPr>
+        <p:txBody>
+          <a:bodyPr/>
+          <a:lstStyle/>
+          <a:p>
+            <a:r>
+              <a:rPr lang="en-US" dirty="0"/>
+              <a:t>When is wind the greatest? </a:t>
+            </a:r>
+          </a:p>
+          <a:p>
+            <a:pPr lvl="1"/>
+            <a:r>
+              <a:rPr lang="en-US" dirty="0"/>
+              <a:t>Local conditions for Hobart, Oklahoma: ~11 am</a:t>
+            </a:r>
+          </a:p>
+          <a:p>
+            <a:pPr lvl="1"/>
+            <a:r>
+              <a:rPr lang="en-US" dirty="0"/>
+              <a:t>15-minute recording intervals for both ODH3 and Luna</a:t>
+            </a:r>
+          </a:p>
+          <a:p>
+            <a:endParaRPr lang="en-US" dirty="0"/>
+          </a:p>
+        </p:txBody>
+      </p:sp>
+    </p:spTree>
+    <p:extLst>
+      <p:ext uri="{BB962C8B-B14F-4D97-AF65-F5344CB8AC3E}">
+        <p14:creationId xmlns:p14="http://schemas.microsoft.com/office/powerpoint/2010/main" val="57863415"/>
+      </p:ext>
+    </p:extLst>
+  </p:cSld>
+  <p:clrMapOvr>
+    <a:masterClrMapping/>
+  </p:clrMapOvr>
+</p:sld>
+</file>
+
+<file path=ppt/slides/slide7.xml><?xml version="1.0" encoding="utf-8"?>
+<p:sld xmlns:a="http://schemas.openxmlformats.org/drawingml/2006/main" xmlns:r="http://schemas.openxmlformats.org/officeDocument/2006/relationships" xmlns:p="http://schemas.openxmlformats.org/presentationml/2006/main">
+  <p:cSld>
+    <p:spTree>
+      <p:nvGrpSpPr>
+        <p:cNvPr id="1" name=""/>
+        <p:cNvGrpSpPr/>
+        <p:nvPr/>
+      </p:nvGrpSpPr>
+      <p:grpSpPr>
+        <a:xfrm>
+          <a:off x="0" y="0"/>
+          <a:ext cx="0" cy="0"/>
+          <a:chOff x="0" y="0"/>
+          <a:chExt cx="0" cy="0"/>
+        </a:xfrm>
+      </p:grpSpPr>
+      <p:sp>
+        <p:nvSpPr>
+          <p:cNvPr id="12" name="Title 1">
+            <a:extLst>
+              <a:ext uri="{FF2B5EF4-FFF2-40B4-BE49-F238E27FC236}">
+                <a16:creationId xmlns:a16="http://schemas.microsoft.com/office/drawing/2014/main" id="{1B291FE6-B4FB-9CD1-FA7F-9C631FD53CB3}"/>
+              </a:ext>
+            </a:extLst>
+          </p:cNvPr>
+          <p:cNvSpPr>
+            <a:spLocks noGrp="1"/>
+          </p:cNvSpPr>
+          <p:nvPr>
+            <p:ph type="title"/>
+          </p:nvPr>
+        </p:nvSpPr>
+        <p:spPr>
+          <a:xfrm>
+            <a:off x="469899" y="326755"/>
+            <a:ext cx="8230217" cy="1150353"/>
+          </a:xfrm>
+        </p:spPr>
+        <p:txBody>
+          <a:bodyPr/>
+          <a:lstStyle/>
+          <a:p>
+            <a:r>
+              <a:rPr lang="en-US" dirty="0">
+                <a:latin typeface="Lucida Grande"/>
+              </a:rPr>
+              <a:t>Installation</a:t>
+            </a:r>
+          </a:p>
+        </p:txBody>
+      </p:sp>
+      <p:sp>
+        <p:nvSpPr>
+          <p:cNvPr id="14" name="Content Placeholder 2">
+            <a:extLst>
+              <a:ext uri="{FF2B5EF4-FFF2-40B4-BE49-F238E27FC236}">
+                <a16:creationId xmlns:a16="http://schemas.microsoft.com/office/drawing/2014/main" id="{992E8464-20C5-FEA9-270F-6E2867BC4117}"/>
+              </a:ext>
+            </a:extLst>
+          </p:cNvPr>
+          <p:cNvSpPr>
+            <a:spLocks noGrp="1"/>
+          </p:cNvSpPr>
+          <p:nvPr>
+            <p:ph idx="1"/>
+          </p:nvPr>
+        </p:nvSpPr>
+        <p:spPr>
+          <a:xfrm>
+            <a:off x="482600" y="1553591"/>
+            <a:ext cx="8217516" cy="3932393"/>
+          </a:xfrm>
+        </p:spPr>
+        <p:txBody>
+          <a:bodyPr/>
+          <a:lstStyle/>
+          <a:p>
+            <a:r>
+              <a:rPr lang="en-US" dirty="0"/>
+              <a:t>Wind Turbine</a:t>
+            </a:r>
+          </a:p>
+        </p:txBody>
+      </p:sp>
+    </p:spTree>
+    <p:extLst>
+      <p:ext uri="{BB962C8B-B14F-4D97-AF65-F5344CB8AC3E}">
+        <p14:creationId xmlns:p14="http://schemas.microsoft.com/office/powerpoint/2010/main" val="882945511"/>
+      </p:ext>
+    </p:extLst>
+  </p:cSld>
+  <p:clrMapOvr>
+    <a:masterClrMapping/>
+  </p:clrMapOvr>
+</p:sld>
+</file>
+
+<file path=ppt/slides/slide8.xml><?xml version="1.0" encoding="utf-8"?>
+<p:sld xmlns:a="http://schemas.openxmlformats.org/drawingml/2006/main" xmlns:r="http://schemas.openxmlformats.org/officeDocument/2006/relationships" xmlns:p="http://schemas.openxmlformats.org/presentationml/2006/main">
+  <p:cSld>
+    <p:spTree>
+      <p:nvGrpSpPr>
+        <p:cNvPr id="1" name=""/>
+        <p:cNvGrpSpPr/>
+        <p:nvPr/>
+      </p:nvGrpSpPr>
+      <p:grpSpPr>
+        <a:xfrm>
+          <a:off x="0" y="0"/>
+          <a:ext cx="0" cy="0"/>
+          <a:chOff x="0" y="0"/>
+          <a:chExt cx="0" cy="0"/>
+        </a:xfrm>
+      </p:grpSpPr>
+      <p:sp>
+        <p:nvSpPr>
+          <p:cNvPr id="12" name="Title 1">
+            <a:extLst>
+              <a:ext uri="{FF2B5EF4-FFF2-40B4-BE49-F238E27FC236}">
+                <a16:creationId xmlns:a16="http://schemas.microsoft.com/office/drawing/2014/main" id="{1B291FE6-B4FB-9CD1-FA7F-9C631FD53CB3}"/>
+              </a:ext>
+            </a:extLst>
+          </p:cNvPr>
+          <p:cNvSpPr>
+            <a:spLocks noGrp="1"/>
+          </p:cNvSpPr>
+          <p:nvPr>
+            <p:ph type="title"/>
+          </p:nvPr>
+        </p:nvSpPr>
+        <p:spPr>
+          <a:xfrm>
+            <a:off x="469899" y="326755"/>
+            <a:ext cx="8230217" cy="1150353"/>
+          </a:xfrm>
+        </p:spPr>
+        <p:txBody>
+          <a:bodyPr/>
+          <a:lstStyle/>
+          <a:p>
+            <a:r>
+              <a:rPr lang="en-US" dirty="0">
+                <a:latin typeface="Lucida Grande"/>
+              </a:rPr>
+              <a:t>Installation</a:t>
+            </a:r>
+          </a:p>
+        </p:txBody>
+      </p:sp>
+      <p:sp>
+        <p:nvSpPr>
+          <p:cNvPr id="14" name="Content Placeholder 2">
+            <a:extLst>
+              <a:ext uri="{FF2B5EF4-FFF2-40B4-BE49-F238E27FC236}">
+                <a16:creationId xmlns:a16="http://schemas.microsoft.com/office/drawing/2014/main" id="{992E8464-20C5-FEA9-270F-6E2867BC4117}"/>
+              </a:ext>
+            </a:extLst>
+          </p:cNvPr>
+          <p:cNvSpPr>
+            <a:spLocks noGrp="1"/>
+          </p:cNvSpPr>
+          <p:nvPr>
+            <p:ph idx="1"/>
+          </p:nvPr>
+        </p:nvSpPr>
+        <p:spPr>
+          <a:xfrm>
+            <a:off x="482600" y="1553591"/>
+            <a:ext cx="4393095" cy="3932393"/>
+          </a:xfrm>
+        </p:spPr>
+        <p:txBody>
+          <a:bodyPr/>
+          <a:lstStyle/>
+          <a:p>
+            <a:r>
+              <a:rPr lang="en-US" dirty="0"/>
+              <a:t>Wind Turbine was </a:t>
+            </a:r>
+          </a:p>
+          <a:p>
+            <a:r>
+              <a:rPr lang="en-US" dirty="0"/>
+              <a:t>Initial installation took place from 10/17/22 – 10/21/22</a:t>
+            </a:r>
+          </a:p>
+          <a:p>
+            <a:r>
+              <a:rPr lang="en-US" dirty="0"/>
+              <a:t>Second installation took place from 12/19/22-12/23/22</a:t>
+            </a:r>
+          </a:p>
+        </p:txBody>
+      </p:sp>
+      <p:pic>
+        <p:nvPicPr>
+          <p:cNvPr id="5" name="Picture 4" descr="A picture containing line, diagram, plot, parallel&#10;&#10;Description automatically generated">
+            <a:extLst>
+              <a:ext uri="{FF2B5EF4-FFF2-40B4-BE49-F238E27FC236}">
+                <a16:creationId xmlns:a16="http://schemas.microsoft.com/office/drawing/2014/main" id="{7F69431F-5A42-3C34-B23E-179F9066C4EB}"/>
+              </a:ext>
+            </a:extLst>
+          </p:cNvPr>
+          <p:cNvPicPr>
+            <a:picLocks noChangeAspect="1"/>
+          </p:cNvPicPr>
           <p:nvPr/>
-        </p:nvSpPr>
-        <p:spPr>
-          <a:xfrm>
-            <a:off x="585925" y="353312"/>
-            <a:ext cx="1225120" cy="338554"/>
+        </p:nvPicPr>
+        <p:blipFill rotWithShape="1">
+          <a:blip r:embed="rId2"/>
+          <a:srcRect l="1" r="339"/>
+          <a:stretch/>
+        </p:blipFill>
+        <p:spPr>
+          <a:xfrm rot="5400000">
+            <a:off x="2841843" y="2074546"/>
+            <a:ext cx="5484861" cy="1417156"/>
           </a:xfrm>
           <a:prstGeom prst="rect">
             <a:avLst/>
           </a:prstGeom>
-          <a:noFill/>
-          <a:ln>
-            <a:solidFill>
-              <a:schemeClr val="tx1"/>
-            </a:solidFill>
-          </a:ln>
-        </p:spPr>
-        <p:txBody>
-          <a:bodyPr wrap="square" rtlCol="0">
-            <a:spAutoFit/>
-          </a:bodyPr>
-          <a:lstStyle/>
-          <a:p>
-            <a:r>
-              <a:rPr lang="en-US" sz="800" dirty="0"/>
-              <a:t>74/8039 (0.9%)</a:t>
-            </a:r>
-          </a:p>
-          <a:p>
-            <a:r>
-              <a:rPr lang="en-US" sz="800" dirty="0" err="1"/>
-              <a:t>ciTBI</a:t>
-            </a:r>
-            <a:endParaRPr lang="en-US" sz="800" dirty="0"/>
-          </a:p>
-        </p:txBody>
-      </p:sp>
-      <p:cxnSp>
-        <p:nvCxnSpPr>
-          <p:cNvPr id="15" name="Straight Arrow Connector 14">
+        </p:spPr>
+      </p:pic>
+      <p:pic>
+        <p:nvPicPr>
+          <p:cNvPr id="7" name="Picture 6" descr="A black and red line&#10;&#10;Description automatically generated with low confidence">
             <a:extLst>
               <a:ext uri="{FF2B5EF4-FFF2-40B4-BE49-F238E27FC236}">
-                <a16:creationId xmlns:a16="http://schemas.microsoft.com/office/drawing/2014/main" id="{2E9E8818-579F-B562-8756-74D47CAD4342}"/>
+                <a16:creationId xmlns:a16="http://schemas.microsoft.com/office/drawing/2014/main" id="{DD1FD2F6-FF0A-B6F3-D5A1-086E99E1F625}"/>
               </a:ext>
             </a:extLst>
           </p:cNvPr>
-          <p:cNvCxnSpPr>
-            <a:cxnSpLocks/>
-            <a:stCxn id="11" idx="2"/>
-            <a:endCxn id="17" idx="0"/>
-          </p:cNvCxnSpPr>
+          <p:cNvPicPr>
+            <a:picLocks noChangeAspect="1"/>
+          </p:cNvPicPr>
           <p:nvPr/>
-        </p:nvCxnSpPr>
-        <p:spPr>
-          <a:xfrm>
-            <a:off x="1198485" y="691866"/>
-            <a:ext cx="0" cy="302768"/>
-          </a:xfrm>
-          <a:prstGeom prst="straightConnector1">
+        </p:nvPicPr>
+        <p:blipFill>
+          <a:blip r:embed="rId3"/>
+          <a:stretch>
+            <a:fillRect/>
+          </a:stretch>
+        </p:blipFill>
+        <p:spPr>
+          <a:xfrm rot="5400000">
+            <a:off x="4243663" y="2079659"/>
+            <a:ext cx="5484860" cy="1406931"/>
+          </a:xfrm>
+          <a:prstGeom prst="rect">
             <a:avLst/>
           </a:prstGeom>
-          <a:ln>
-            <a:tailEnd type="triangle"/>
-          </a:ln>
-        </p:spPr>
-        <p:style>
-          <a:lnRef idx="1">
-            <a:schemeClr val="dk1"/>
-          </a:lnRef>
-          <a:fillRef idx="0">
-            <a:schemeClr val="dk1"/>
-          </a:fillRef>
-          <a:effectRef idx="0">
-            <a:schemeClr val="dk1"/>
-          </a:effectRef>
-          <a:fontRef idx="minor">
-            <a:schemeClr val="tx1"/>
-          </a:fontRef>
-        </p:style>
-      </p:cxnSp>
-      <p:sp>
-        <p:nvSpPr>
-          <p:cNvPr id="17" name="TextBox 16">
+        </p:spPr>
+      </p:pic>
+      <p:pic>
+        <p:nvPicPr>
+          <p:cNvPr id="9" name="Picture 8" descr="A picture containing line, diagram, plot, parallel&#10;&#10;Description automatically generated">
             <a:extLst>
               <a:ext uri="{FF2B5EF4-FFF2-40B4-BE49-F238E27FC236}">
-                <a16:creationId xmlns:a16="http://schemas.microsoft.com/office/drawing/2014/main" id="{5E05B898-9454-9CEE-E37F-8A760C4B4225}"/>
+                <a16:creationId xmlns:a16="http://schemas.microsoft.com/office/drawing/2014/main" id="{9EDFF141-F8B5-8C75-CBEF-78B4A9D159B5}"/>
               </a:ext>
             </a:extLst>
           </p:cNvPr>
-          <p:cNvSpPr txBox="1"/>
+          <p:cNvPicPr>
+            <a:picLocks noChangeAspect="1"/>
+          </p:cNvPicPr>
           <p:nvPr/>
-        </p:nvSpPr>
-        <p:spPr>
-          <a:xfrm>
-            <a:off x="585925" y="994634"/>
-            <a:ext cx="1225120" cy="215444"/>
+        </p:nvPicPr>
+        <p:blipFill>
+          <a:blip r:embed="rId4"/>
+          <a:stretch>
+            <a:fillRect/>
+          </a:stretch>
+        </p:blipFill>
+        <p:spPr>
+          <a:xfrm rot="5400000">
+            <a:off x="5650751" y="2079816"/>
+            <a:ext cx="5484545" cy="1406932"/>
           </a:xfrm>
           <a:prstGeom prst="rect">
             <a:avLst/>
           </a:prstGeom>
-          <a:noFill/>
-          <a:ln>
-            <a:solidFill>
-              <a:schemeClr val="tx1"/>
-            </a:solidFill>
-          </a:ln>
-        </p:spPr>
-        <p:txBody>
-          <a:bodyPr wrap="square" rtlCol="0">
-            <a:spAutoFit/>
-          </a:bodyPr>
-          <a:lstStyle/>
-          <a:p>
-            <a:r>
-              <a:rPr lang="en-US" sz="800" dirty="0"/>
-              <a:t>Hematoma Location?</a:t>
-            </a:r>
-          </a:p>
-        </p:txBody>
-      </p:sp>
-      <p:cxnSp>
-        <p:nvCxnSpPr>
-          <p:cNvPr id="37" name="Straight Connector 36">
+        </p:spPr>
+      </p:pic>
+    </p:spTree>
+    <p:extLst>
+      <p:ext uri="{BB962C8B-B14F-4D97-AF65-F5344CB8AC3E}">
+        <p14:creationId xmlns:p14="http://schemas.microsoft.com/office/powerpoint/2010/main" val="3931290646"/>
+      </p:ext>
+    </p:extLst>
+  </p:cSld>
+  <p:clrMapOvr>
+    <a:masterClrMapping/>
+  </p:clrMapOvr>
+</p:sld>
+</file>
+
+<file path=ppt/slides/slide9.xml><?xml version="1.0" encoding="utf-8"?>
+<p:sld xmlns:a="http://schemas.openxmlformats.org/drawingml/2006/main" xmlns:r="http://schemas.openxmlformats.org/officeDocument/2006/relationships" xmlns:p="http://schemas.openxmlformats.org/presentationml/2006/main">
+  <p:cSld>
+    <p:spTree>
+      <p:nvGrpSpPr>
+        <p:cNvPr id="1" name=""/>
+        <p:cNvGrpSpPr/>
+        <p:nvPr/>
+      </p:nvGrpSpPr>
+      <p:grpSpPr>
+        <a:xfrm>
+          <a:off x="0" y="0"/>
+          <a:ext cx="0" cy="0"/>
+          <a:chOff x="0" y="0"/>
+          <a:chExt cx="0" cy="0"/>
+        </a:xfrm>
+      </p:grpSpPr>
+      <p:sp>
+        <p:nvSpPr>
+          <p:cNvPr id="12" name="Title 1">
             <a:extLst>
               <a:ext uri="{FF2B5EF4-FFF2-40B4-BE49-F238E27FC236}">
-                <a16:creationId xmlns:a16="http://schemas.microsoft.com/office/drawing/2014/main" id="{19084E15-AF09-8789-9C72-47AB865A5FB7}"/>
+                <a16:creationId xmlns:a16="http://schemas.microsoft.com/office/drawing/2014/main" id="{1B291FE6-B4FB-9CD1-FA7F-9C631FD53CB3}"/>
               </a:ext>
             </a:extLst>
           </p:cNvPr>
-          <p:cNvCxnSpPr>
-            <a:cxnSpLocks/>
-          </p:cNvCxnSpPr>
-          <p:nvPr/>
-        </p:nvCxnSpPr>
-        <p:spPr>
-          <a:xfrm flipV="1">
-            <a:off x="1198485" y="1333188"/>
-            <a:ext cx="1512161" cy="6228"/>
-          </a:xfrm>
-          <a:prstGeom prst="line">
-            <a:avLst/>
-          </a:prstGeom>
-        </p:spPr>
-        <p:style>
-          <a:lnRef idx="1">
-            <a:schemeClr val="dk1"/>
-          </a:lnRef>
-          <a:fillRef idx="0">
-            <a:schemeClr val="dk1"/>
-          </a:fillRef>
-          <a:effectRef idx="0">
-            <a:schemeClr val="dk1"/>
-          </a:effectRef>
-          <a:fontRef idx="minor">
-            <a:schemeClr val="tx1"/>
-          </a:fontRef>
-        </p:style>
-      </p:cxnSp>
-      <p:cxnSp>
-        <p:nvCxnSpPr>
-          <p:cNvPr id="42" name="Straight Arrow Connector 41">
+          <p:cNvSpPr>
+            <a:spLocks noGrp="1"/>
+          </p:cNvSpPr>
+          <p:nvPr>
+            <p:ph type="title"/>
+          </p:nvPr>
+        </p:nvSpPr>
+        <p:spPr>
+          <a:xfrm>
+            <a:off x="469899" y="326755"/>
+            <a:ext cx="8230217" cy="1150353"/>
+          </a:xfrm>
+        </p:spPr>
+        <p:txBody>
+          <a:bodyPr/>
+          <a:lstStyle/>
+          <a:p>
+            <a:r>
+              <a:rPr lang="en-US" dirty="0">
+                <a:latin typeface="Lucida Grande"/>
+              </a:rPr>
+              <a:t>Installation</a:t>
+            </a:r>
+          </a:p>
+        </p:txBody>
+      </p:sp>
+      <p:sp>
+        <p:nvSpPr>
+          <p:cNvPr id="14" name="Content Placeholder 2">
             <a:extLst>
               <a:ext uri="{FF2B5EF4-FFF2-40B4-BE49-F238E27FC236}">
-                <a16:creationId xmlns:a16="http://schemas.microsoft.com/office/drawing/2014/main" id="{F8D890D3-3828-8B4A-8268-2137E31D6685}"/>
+                <a16:creationId xmlns:a16="http://schemas.microsoft.com/office/drawing/2014/main" id="{992E8464-20C5-FEA9-270F-6E2867BC4117}"/>
               </a:ext>
             </a:extLst>
           </p:cNvPr>
-          <p:cNvCxnSpPr>
-            <a:cxnSpLocks/>
-            <a:stCxn id="17" idx="2"/>
-            <a:endCxn id="44" idx="0"/>
-          </p:cNvCxnSpPr>
-          <p:nvPr/>
-        </p:nvCxnSpPr>
-        <p:spPr>
-          <a:xfrm>
-            <a:off x="1198485" y="1210078"/>
-            <a:ext cx="0" cy="305848"/>
-          </a:xfrm>
-          <a:prstGeom prst="straightConnector1">
-            <a:avLst/>
-          </a:prstGeom>
-          <a:ln>
-            <a:tailEnd type="triangle"/>
-          </a:ln>
-        </p:spPr>
-        <p:style>
-          <a:lnRef idx="1">
-            <a:schemeClr val="dk1"/>
-          </a:lnRef>
-          <a:fillRef idx="0">
-            <a:schemeClr val="dk1"/>
-          </a:fillRef>
-          <a:effectRef idx="0">
-            <a:schemeClr val="dk1"/>
-          </a:effectRef>
-          <a:fontRef idx="minor">
-            <a:schemeClr val="tx1"/>
-          </a:fontRef>
-        </p:style>
-      </p:cxnSp>
-      <p:sp>
-        <p:nvSpPr>
-          <p:cNvPr id="44" name="TextBox 43">
+          <p:cNvSpPr>
+            <a:spLocks noGrp="1"/>
+          </p:cNvSpPr>
+          <p:nvPr>
+            <p:ph idx="1"/>
+          </p:nvPr>
+        </p:nvSpPr>
+        <p:spPr>
+          <a:xfrm>
+            <a:off x="482600" y="1553591"/>
+            <a:ext cx="8217516" cy="3932393"/>
+          </a:xfrm>
+        </p:spPr>
+        <p:txBody>
+          <a:bodyPr/>
+          <a:lstStyle/>
+          <a:p>
+            <a:r>
+              <a:rPr lang="en-US" dirty="0"/>
+              <a:t>Wind Turbine</a:t>
+            </a:r>
+          </a:p>
+        </p:txBody>
+      </p:sp>
+      <p:pic>
+        <p:nvPicPr>
+          <p:cNvPr id="4" name="Picture 3" descr="A picture containing line, parallel, plot, diagram&#10;&#10;Description automatically generated">
             <a:extLst>
               <a:ext uri="{FF2B5EF4-FFF2-40B4-BE49-F238E27FC236}">
-                <a16:creationId xmlns:a16="http://schemas.microsoft.com/office/drawing/2014/main" id="{9D80E2DF-CCA2-A544-BB61-06995D63C95D}"/>
+                <a16:creationId xmlns:a16="http://schemas.microsoft.com/office/drawing/2014/main" id="{6E63B32D-E78F-7850-8A2E-12AB4367FB13}"/>
               </a:ext>
             </a:extLst>
           </p:cNvPr>
-          <p:cNvSpPr txBox="1"/>
+          <p:cNvPicPr>
+            <a:picLocks noChangeAspect="1"/>
+          </p:cNvPicPr>
           <p:nvPr/>
-        </p:nvSpPr>
-        <p:spPr>
-          <a:xfrm>
-            <a:off x="585925" y="1515926"/>
-            <a:ext cx="1225120" cy="338554"/>
+        </p:nvPicPr>
+        <p:blipFill rotWithShape="1">
+          <a:blip r:embed="rId2"/>
+          <a:srcRect l="1980"/>
+          <a:stretch/>
+        </p:blipFill>
+        <p:spPr>
+          <a:xfrm rot="5400000">
+            <a:off x="6100300" y="2639147"/>
+            <a:ext cx="3390761" cy="2302914"/>
           </a:xfrm>
           <a:prstGeom prst="rect">
             <a:avLst/>
           </a:prstGeom>
-          <a:noFill/>
-          <a:ln>
-            <a:solidFill>
-              <a:schemeClr val="tx1"/>
-            </a:solidFill>
-          </a:ln>
-        </p:spPr>
-        <p:txBody>
-          <a:bodyPr wrap="square" rtlCol="0">
-            <a:spAutoFit/>
-          </a:bodyPr>
-          <a:lstStyle/>
-          <a:p>
-            <a:r>
-              <a:rPr lang="en-US" sz="800" dirty="0"/>
-              <a:t>4/2245 (0.2%)</a:t>
-            </a:r>
-          </a:p>
-          <a:p>
-            <a:r>
-              <a:rPr lang="en-US" sz="800" dirty="0" err="1"/>
-              <a:t>ciTBI</a:t>
-            </a:r>
-            <a:endParaRPr lang="en-US" sz="800" dirty="0"/>
-          </a:p>
-        </p:txBody>
-      </p:sp>
-      <p:cxnSp>
-        <p:nvCxnSpPr>
-          <p:cNvPr id="47" name="Straight Arrow Connector 46">
+        </p:spPr>
+      </p:pic>
+      <p:pic>
+        <p:nvPicPr>
+          <p:cNvPr id="8" name="Picture 7" descr="A picture containing line, plot, parallel, colorfulness&#10;&#10;Description automatically generated">
             <a:extLst>
               <a:ext uri="{FF2B5EF4-FFF2-40B4-BE49-F238E27FC236}">
-                <a16:creationId xmlns:a16="http://schemas.microsoft.com/office/drawing/2014/main" id="{7A7BB852-0BED-49E4-AA54-782D4B042FE6}"/>
+                <a16:creationId xmlns:a16="http://schemas.microsoft.com/office/drawing/2014/main" id="{F236264F-E9B0-AFE1-C7F8-AFD5FC66022B}"/>
               </a:ext>
             </a:extLst>
           </p:cNvPr>
-          <p:cNvCxnSpPr>
-            <a:cxnSpLocks/>
-            <a:endCxn id="67" idx="0"/>
-          </p:cNvCxnSpPr>
+          <p:cNvPicPr>
+            <a:picLocks noChangeAspect="1"/>
+          </p:cNvPicPr>
           <p:nvPr/>
-        </p:nvCxnSpPr>
-        <p:spPr>
-          <a:xfrm>
-            <a:off x="2710646" y="1333188"/>
-            <a:ext cx="0" cy="179658"/>
-          </a:xfrm>
-          <a:prstGeom prst="straightConnector1">
-            <a:avLst/>
-          </a:prstGeom>
-          <a:ln>
-            <a:tailEnd type="triangle"/>
-          </a:ln>
-        </p:spPr>
-        <p:style>
-          <a:lnRef idx="1">
-            <a:schemeClr val="dk1"/>
-          </a:lnRef>
-          <a:fillRef idx="0">
-            <a:schemeClr val="dk1"/>
-          </a:fillRef>
-          <a:effectRef idx="0">
-            <a:schemeClr val="dk1"/>
-          </a:effectRef>
-          <a:fontRef idx="minor">
-            <a:schemeClr val="tx1"/>
-          </a:fontRef>
-        </p:style>
-      </p:cxnSp>
-      <p:sp>
-        <p:nvSpPr>
-          <p:cNvPr id="67" name="TextBox 66">
-            <a:extLst>
-              <a:ext uri="{FF2B5EF4-FFF2-40B4-BE49-F238E27FC236}">
-                <a16:creationId xmlns:a16="http://schemas.microsoft.com/office/drawing/2014/main" id="{460D5EB0-7721-0FE1-DB3F-8C99F59A9D08}"/>
-              </a:ext>
-            </a:extLst>
-          </p:cNvPr>
-          <p:cNvSpPr txBox="1"/>
-          <p:nvPr/>
-        </p:nvSpPr>
-        <p:spPr>
-          <a:xfrm>
-            <a:off x="2098086" y="1512846"/>
-            <a:ext cx="1225120" cy="338554"/>
+        </p:nvPicPr>
+        <p:blipFill rotWithShape="1">
+          <a:blip r:embed="rId3"/>
+          <a:srcRect l="7945" r="11067"/>
+          <a:stretch/>
+        </p:blipFill>
+        <p:spPr>
+          <a:xfrm rot="5400000">
+            <a:off x="3661960" y="2637073"/>
+            <a:ext cx="3390763" cy="2307063"/>
           </a:xfrm>
           <a:prstGeom prst="rect">
             <a:avLst/>
           </a:prstGeom>
-          <a:noFill/>
-          <a:ln>
-            <a:solidFill>
-              <a:schemeClr val="tx1"/>
-            </a:solidFill>
-          </a:ln>
-        </p:spPr>
-        <p:txBody>
-          <a:bodyPr wrap="square" rtlCol="0">
-            <a:spAutoFit/>
-          </a:bodyPr>
-          <a:lstStyle/>
-          <a:p>
-            <a:r>
-              <a:rPr lang="en-US" sz="800" dirty="0"/>
-              <a:t>70/5724 (1.2%)</a:t>
-            </a:r>
-          </a:p>
-          <a:p>
-            <a:r>
-              <a:rPr lang="en-US" sz="800" dirty="0" err="1"/>
-              <a:t>ciTBI</a:t>
-            </a:r>
-            <a:endParaRPr lang="en-US" sz="800" dirty="0"/>
-          </a:p>
-        </p:txBody>
-      </p:sp>
-      <p:cxnSp>
-        <p:nvCxnSpPr>
-          <p:cNvPr id="73" name="Straight Arrow Connector 72">
-            <a:extLst>
-              <a:ext uri="{FF2B5EF4-FFF2-40B4-BE49-F238E27FC236}">
-                <a16:creationId xmlns:a16="http://schemas.microsoft.com/office/drawing/2014/main" id="{8449F45C-5FFF-2FC4-3D6B-2B9C1CA9BA24}"/>
-              </a:ext>
-            </a:extLst>
-          </p:cNvPr>
-          <p:cNvCxnSpPr>
-            <a:cxnSpLocks/>
-            <a:stCxn id="44" idx="2"/>
-            <a:endCxn id="74" idx="0"/>
-          </p:cNvCxnSpPr>
-          <p:nvPr/>
-        </p:nvCxnSpPr>
-        <p:spPr>
-          <a:xfrm>
-            <a:off x="1198485" y="1854480"/>
-            <a:ext cx="0" cy="300520"/>
-          </a:xfrm>
-          <a:prstGeom prst="straightConnector1">
-            <a:avLst/>
-          </a:prstGeom>
-          <a:ln>
-            <a:tailEnd type="triangle"/>
-          </a:ln>
-        </p:spPr>
-        <p:style>
-          <a:lnRef idx="1">
-            <a:schemeClr val="dk1"/>
-          </a:lnRef>
-          <a:fillRef idx="0">
-            <a:schemeClr val="dk1"/>
-          </a:fillRef>
-          <a:effectRef idx="0">
-            <a:schemeClr val="dk1"/>
-          </a:effectRef>
-          <a:fontRef idx="minor">
-            <a:schemeClr val="tx1"/>
-          </a:fontRef>
-        </p:style>
-      </p:cxnSp>
-      <p:sp>
-        <p:nvSpPr>
-          <p:cNvPr id="74" name="TextBox 73">
-            <a:extLst>
-              <a:ext uri="{FF2B5EF4-FFF2-40B4-BE49-F238E27FC236}">
-                <a16:creationId xmlns:a16="http://schemas.microsoft.com/office/drawing/2014/main" id="{DC4866EC-A30E-D1AD-78C5-95ADABDB6507}"/>
-              </a:ext>
-            </a:extLst>
-          </p:cNvPr>
-          <p:cNvSpPr txBox="1"/>
-          <p:nvPr/>
-        </p:nvSpPr>
-        <p:spPr>
-          <a:xfrm>
-            <a:off x="585925" y="2155000"/>
-            <a:ext cx="1225120" cy="215444"/>
-          </a:xfrm>
-          <a:prstGeom prst="rect">
-            <a:avLst/>
-          </a:prstGeom>
-          <a:noFill/>
-          <a:ln>
-            <a:solidFill>
-              <a:schemeClr val="tx1"/>
-            </a:solidFill>
-          </a:ln>
-        </p:spPr>
-        <p:txBody>
-          <a:bodyPr wrap="square" rtlCol="0">
-            <a:spAutoFit/>
-          </a:bodyPr>
-          <a:lstStyle/>
-          <a:p>
-            <a:r>
-              <a:rPr lang="en-US" sz="800" dirty="0"/>
-              <a:t>Loss of Consciousness?</a:t>
-            </a:r>
-          </a:p>
-        </p:txBody>
-      </p:sp>
-      <p:cxnSp>
-        <p:nvCxnSpPr>
-          <p:cNvPr id="76" name="Straight Connector 75">
-            <a:extLst>
-              <a:ext uri="{FF2B5EF4-FFF2-40B4-BE49-F238E27FC236}">
-                <a16:creationId xmlns:a16="http://schemas.microsoft.com/office/drawing/2014/main" id="{B99566F0-E918-9CA9-D700-18E47B918D38}"/>
-              </a:ext>
-            </a:extLst>
-          </p:cNvPr>
-          <p:cNvCxnSpPr>
-            <a:cxnSpLocks/>
-          </p:cNvCxnSpPr>
-          <p:nvPr/>
-        </p:nvCxnSpPr>
-        <p:spPr>
-          <a:xfrm flipV="1">
-            <a:off x="1198485" y="2488226"/>
-            <a:ext cx="1512161" cy="6228"/>
-          </a:xfrm>
-          <a:prstGeom prst="line">
-            <a:avLst/>
-          </a:prstGeom>
-        </p:spPr>
-        <p:style>
-          <a:lnRef idx="1">
-            <a:schemeClr val="dk1"/>
-          </a:lnRef>
-          <a:fillRef idx="0">
-            <a:schemeClr val="dk1"/>
-          </a:fillRef>
-          <a:effectRef idx="0">
-            <a:schemeClr val="dk1"/>
-          </a:effectRef>
-          <a:fontRef idx="minor">
-            <a:schemeClr val="tx1"/>
-          </a:fontRef>
-        </p:style>
-      </p:cxnSp>
-      <p:cxnSp>
-        <p:nvCxnSpPr>
-          <p:cNvPr id="77" name="Straight Arrow Connector 76">
-            <a:extLst>
-              <a:ext uri="{FF2B5EF4-FFF2-40B4-BE49-F238E27FC236}">
-                <a16:creationId xmlns:a16="http://schemas.microsoft.com/office/drawing/2014/main" id="{FF36D39E-61EC-643B-CEE7-B5CECE8D885F}"/>
-              </a:ext>
-            </a:extLst>
-          </p:cNvPr>
-          <p:cNvCxnSpPr>
-            <a:cxnSpLocks/>
-            <a:stCxn id="74" idx="2"/>
-            <a:endCxn id="78" idx="0"/>
-          </p:cNvCxnSpPr>
-          <p:nvPr/>
-        </p:nvCxnSpPr>
-        <p:spPr>
-          <a:xfrm>
-            <a:off x="1198485" y="2370444"/>
-            <a:ext cx="0" cy="300520"/>
-          </a:xfrm>
-          <a:prstGeom prst="straightConnector1">
-            <a:avLst/>
-          </a:prstGeom>
-          <a:ln>
-            <a:tailEnd type="triangle"/>
-          </a:ln>
-        </p:spPr>
-        <p:style>
-          <a:lnRef idx="1">
-            <a:schemeClr val="dk1"/>
-          </a:lnRef>
-          <a:fillRef idx="0">
-            <a:schemeClr val="dk1"/>
-          </a:fillRef>
-          <a:effectRef idx="0">
-            <a:schemeClr val="dk1"/>
-          </a:effectRef>
-          <a:fontRef idx="minor">
-            <a:schemeClr val="tx1"/>
-          </a:fontRef>
-        </p:style>
-      </p:cxnSp>
-      <p:sp>
-        <p:nvSpPr>
-          <p:cNvPr id="78" name="TextBox 77">
-            <a:extLst>
-              <a:ext uri="{FF2B5EF4-FFF2-40B4-BE49-F238E27FC236}">
-                <a16:creationId xmlns:a16="http://schemas.microsoft.com/office/drawing/2014/main" id="{825D2169-AEAA-D720-7AF3-AA292A3561A4}"/>
-              </a:ext>
-            </a:extLst>
-          </p:cNvPr>
-          <p:cNvSpPr txBox="1"/>
-          <p:nvPr/>
-        </p:nvSpPr>
-        <p:spPr>
-          <a:xfrm>
-            <a:off x="585925" y="2670964"/>
-            <a:ext cx="1225120" cy="338554"/>
-          </a:xfrm>
-          <a:prstGeom prst="rect">
-            <a:avLst/>
-          </a:prstGeom>
-          <a:noFill/>
-          <a:ln>
-            <a:solidFill>
-              <a:schemeClr val="tx1"/>
-            </a:solidFill>
-          </a:ln>
-        </p:spPr>
-        <p:txBody>
-          <a:bodyPr wrap="square" rtlCol="0">
-            <a:spAutoFit/>
-          </a:bodyPr>
-          <a:lstStyle/>
-          <a:p>
-            <a:r>
-              <a:rPr lang="en-US" sz="800" dirty="0"/>
-              <a:t>2/2194 (0.1%)</a:t>
-            </a:r>
-          </a:p>
-          <a:p>
-            <a:r>
-              <a:rPr lang="en-US" sz="800" dirty="0" err="1"/>
-              <a:t>ciTBI</a:t>
-            </a:r>
-            <a:endParaRPr lang="en-US" sz="800" dirty="0"/>
-          </a:p>
-        </p:txBody>
-      </p:sp>
-      <p:cxnSp>
-        <p:nvCxnSpPr>
-          <p:cNvPr id="79" name="Straight Arrow Connector 78">
-            <a:extLst>
-              <a:ext uri="{FF2B5EF4-FFF2-40B4-BE49-F238E27FC236}">
-                <a16:creationId xmlns:a16="http://schemas.microsoft.com/office/drawing/2014/main" id="{C1270B46-9283-3F59-488E-738C40CD57DE}"/>
-              </a:ext>
-            </a:extLst>
-          </p:cNvPr>
-          <p:cNvCxnSpPr>
-            <a:cxnSpLocks/>
-            <a:endCxn id="80" idx="0"/>
-          </p:cNvCxnSpPr>
-          <p:nvPr/>
-        </p:nvCxnSpPr>
-        <p:spPr>
-          <a:xfrm>
-            <a:off x="2710646" y="2488226"/>
-            <a:ext cx="0" cy="179658"/>
-          </a:xfrm>
-          <a:prstGeom prst="straightConnector1">
-            <a:avLst/>
-          </a:prstGeom>
-          <a:ln>
-            <a:tailEnd type="triangle"/>
-          </a:ln>
-        </p:spPr>
-        <p:style>
-          <a:lnRef idx="1">
-            <a:schemeClr val="dk1"/>
-          </a:lnRef>
-          <a:fillRef idx="0">
-            <a:schemeClr val="dk1"/>
-          </a:fillRef>
-          <a:effectRef idx="0">
-            <a:schemeClr val="dk1"/>
-          </a:effectRef>
-          <a:fontRef idx="minor">
-            <a:schemeClr val="tx1"/>
-          </a:fontRef>
-        </p:style>
-      </p:cxnSp>
-      <p:sp>
-        <p:nvSpPr>
-          <p:cNvPr id="80" name="TextBox 79">
-            <a:extLst>
-              <a:ext uri="{FF2B5EF4-FFF2-40B4-BE49-F238E27FC236}">
-                <a16:creationId xmlns:a16="http://schemas.microsoft.com/office/drawing/2014/main" id="{3562D0E3-1B3C-36D8-AA27-E1CE6B1D99CD}"/>
-              </a:ext>
-            </a:extLst>
-          </p:cNvPr>
-          <p:cNvSpPr txBox="1"/>
-          <p:nvPr/>
-        </p:nvSpPr>
-        <p:spPr>
-          <a:xfrm>
-            <a:off x="2098086" y="2667884"/>
-            <a:ext cx="1225120" cy="338554"/>
-          </a:xfrm>
-          <a:prstGeom prst="rect">
-            <a:avLst/>
-          </a:prstGeom>
-          <a:noFill/>
-          <a:ln>
-            <a:solidFill>
-              <a:schemeClr val="tx1"/>
-            </a:solidFill>
-          </a:ln>
-        </p:spPr>
-        <p:txBody>
-          <a:bodyPr wrap="square" rtlCol="0">
-            <a:spAutoFit/>
-          </a:bodyPr>
-          <a:lstStyle/>
-          <a:p>
-            <a:r>
-              <a:rPr lang="en-US" sz="800" dirty="0"/>
-              <a:t>2/51 (3.9%)</a:t>
-            </a:r>
-          </a:p>
-          <a:p>
-            <a:r>
-              <a:rPr lang="en-US" sz="800" dirty="0" err="1"/>
-              <a:t>ciTBI</a:t>
-            </a:r>
-            <a:endParaRPr lang="en-US" sz="800" dirty="0"/>
-          </a:p>
-        </p:txBody>
-      </p:sp>
-      <p:cxnSp>
-        <p:nvCxnSpPr>
-          <p:cNvPr id="82" name="Straight Arrow Connector 81">
-            <a:extLst>
-              <a:ext uri="{FF2B5EF4-FFF2-40B4-BE49-F238E27FC236}">
-                <a16:creationId xmlns:a16="http://schemas.microsoft.com/office/drawing/2014/main" id="{69F3E69C-7D40-FE92-993F-A7FFE9B88C00}"/>
-              </a:ext>
-            </a:extLst>
-          </p:cNvPr>
-          <p:cNvCxnSpPr>
-            <a:cxnSpLocks/>
-            <a:stCxn id="78" idx="2"/>
-            <a:endCxn id="83" idx="0"/>
-          </p:cNvCxnSpPr>
-          <p:nvPr/>
-        </p:nvCxnSpPr>
-        <p:spPr>
-          <a:xfrm>
-            <a:off x="1198485" y="3009518"/>
-            <a:ext cx="0" cy="297440"/>
-          </a:xfrm>
-          <a:prstGeom prst="straightConnector1">
-            <a:avLst/>
-          </a:prstGeom>
-          <a:ln>
-            <a:tailEnd type="triangle"/>
-          </a:ln>
-        </p:spPr>
-        <p:style>
-          <a:lnRef idx="1">
-            <a:schemeClr val="dk1"/>
-          </a:lnRef>
-          <a:fillRef idx="0">
-            <a:schemeClr val="dk1"/>
-          </a:fillRef>
-          <a:effectRef idx="0">
-            <a:schemeClr val="dk1"/>
-          </a:effectRef>
-          <a:fontRef idx="minor">
-            <a:schemeClr val="tx1"/>
-          </a:fontRef>
-        </p:style>
-      </p:cxnSp>
-      <p:sp>
-        <p:nvSpPr>
-          <p:cNvPr id="83" name="TextBox 82">
-            <a:extLst>
-              <a:ext uri="{FF2B5EF4-FFF2-40B4-BE49-F238E27FC236}">
-                <a16:creationId xmlns:a16="http://schemas.microsoft.com/office/drawing/2014/main" id="{C9F5A6C2-8C57-D9CB-E833-7CD75BA19F37}"/>
-              </a:ext>
-            </a:extLst>
-          </p:cNvPr>
-          <p:cNvSpPr txBox="1"/>
-          <p:nvPr/>
-        </p:nvSpPr>
-        <p:spPr>
-          <a:xfrm>
-            <a:off x="585925" y="3306958"/>
-            <a:ext cx="1225120" cy="215444"/>
-          </a:xfrm>
-          <a:prstGeom prst="rect">
-            <a:avLst/>
-          </a:prstGeom>
-          <a:noFill/>
-          <a:ln>
-            <a:solidFill>
-              <a:schemeClr val="tx1"/>
-            </a:solidFill>
-          </a:ln>
-        </p:spPr>
-        <p:txBody>
-          <a:bodyPr wrap="square" rtlCol="0">
-            <a:spAutoFit/>
-          </a:bodyPr>
-          <a:lstStyle/>
-          <a:p>
-            <a:r>
-              <a:rPr lang="en-US" sz="800" dirty="0" err="1"/>
-              <a:t>High_imp</a:t>
-            </a:r>
-            <a:endParaRPr lang="en-US" sz="800" dirty="0"/>
-          </a:p>
-        </p:txBody>
-      </p:sp>
-      <p:cxnSp>
-        <p:nvCxnSpPr>
-          <p:cNvPr id="85" name="Straight Connector 84">
-            <a:extLst>
-              <a:ext uri="{FF2B5EF4-FFF2-40B4-BE49-F238E27FC236}">
-                <a16:creationId xmlns:a16="http://schemas.microsoft.com/office/drawing/2014/main" id="{5C58890B-7F87-968A-ED21-F076922E53A0}"/>
-              </a:ext>
-            </a:extLst>
-          </p:cNvPr>
-          <p:cNvCxnSpPr>
-            <a:cxnSpLocks/>
-          </p:cNvCxnSpPr>
-          <p:nvPr/>
-        </p:nvCxnSpPr>
-        <p:spPr>
-          <a:xfrm flipV="1">
-            <a:off x="1198485" y="3640116"/>
-            <a:ext cx="1512161" cy="6228"/>
-          </a:xfrm>
-          <a:prstGeom prst="line">
-            <a:avLst/>
-          </a:prstGeom>
-        </p:spPr>
-        <p:style>
-          <a:lnRef idx="1">
-            <a:schemeClr val="dk1"/>
-          </a:lnRef>
-          <a:fillRef idx="0">
-            <a:schemeClr val="dk1"/>
-          </a:fillRef>
-          <a:effectRef idx="0">
-            <a:schemeClr val="dk1"/>
-          </a:effectRef>
-          <a:fontRef idx="minor">
-            <a:schemeClr val="tx1"/>
-          </a:fontRef>
-        </p:style>
-      </p:cxnSp>
-      <p:cxnSp>
-        <p:nvCxnSpPr>
-          <p:cNvPr id="86" name="Straight Arrow Connector 85">
-            <a:extLst>
-              <a:ext uri="{FF2B5EF4-FFF2-40B4-BE49-F238E27FC236}">
-                <a16:creationId xmlns:a16="http://schemas.microsoft.com/office/drawing/2014/main" id="{A354690A-A34E-A770-1A11-BC3AABF855C2}"/>
-              </a:ext>
-            </a:extLst>
-          </p:cNvPr>
-          <p:cNvCxnSpPr>
-            <a:cxnSpLocks/>
-            <a:stCxn id="83" idx="2"/>
-            <a:endCxn id="87" idx="0"/>
-          </p:cNvCxnSpPr>
-          <p:nvPr/>
-        </p:nvCxnSpPr>
-        <p:spPr>
-          <a:xfrm>
-            <a:off x="1198485" y="3522402"/>
-            <a:ext cx="0" cy="300452"/>
-          </a:xfrm>
-          <a:prstGeom prst="straightConnector1">
-            <a:avLst/>
-          </a:prstGeom>
-          <a:ln>
-            <a:tailEnd type="triangle"/>
-          </a:ln>
-        </p:spPr>
-        <p:style>
-          <a:lnRef idx="1">
-            <a:schemeClr val="dk1"/>
-          </a:lnRef>
-          <a:fillRef idx="0">
-            <a:schemeClr val="dk1"/>
-          </a:fillRef>
-          <a:effectRef idx="0">
-            <a:schemeClr val="dk1"/>
-          </a:effectRef>
-          <a:fontRef idx="minor">
-            <a:schemeClr val="tx1"/>
-          </a:fontRef>
-        </p:style>
-      </p:cxnSp>
-      <p:sp>
-        <p:nvSpPr>
-          <p:cNvPr id="87" name="TextBox 86">
-            <a:extLst>
-              <a:ext uri="{FF2B5EF4-FFF2-40B4-BE49-F238E27FC236}">
-                <a16:creationId xmlns:a16="http://schemas.microsoft.com/office/drawing/2014/main" id="{A19E84CC-8FEC-AC1F-396B-71DEF1D36B4F}"/>
-              </a:ext>
-            </a:extLst>
-          </p:cNvPr>
-          <p:cNvSpPr txBox="1"/>
-          <p:nvPr/>
-        </p:nvSpPr>
-        <p:spPr>
-          <a:xfrm>
-            <a:off x="585925" y="3822854"/>
-            <a:ext cx="1225120" cy="338554"/>
-          </a:xfrm>
-          <a:prstGeom prst="rect">
-            <a:avLst/>
-          </a:prstGeom>
-          <a:noFill/>
-          <a:ln>
-            <a:solidFill>
-              <a:schemeClr val="tx1"/>
-            </a:solidFill>
-          </a:ln>
-        </p:spPr>
-        <p:txBody>
-          <a:bodyPr wrap="square" rtlCol="0">
-            <a:spAutoFit/>
-          </a:bodyPr>
-          <a:lstStyle/>
-          <a:p>
-            <a:r>
-              <a:rPr lang="en-US" sz="800" dirty="0"/>
-              <a:t>1/1798(0.06%)</a:t>
-            </a:r>
-          </a:p>
-          <a:p>
-            <a:r>
-              <a:rPr lang="en-US" sz="800" dirty="0" err="1"/>
-              <a:t>ciTBI</a:t>
-            </a:r>
-            <a:endParaRPr lang="en-US" sz="800" dirty="0"/>
-          </a:p>
-        </p:txBody>
-      </p:sp>
-      <p:cxnSp>
-        <p:nvCxnSpPr>
-          <p:cNvPr id="88" name="Straight Arrow Connector 87">
-            <a:extLst>
-              <a:ext uri="{FF2B5EF4-FFF2-40B4-BE49-F238E27FC236}">
-                <a16:creationId xmlns:a16="http://schemas.microsoft.com/office/drawing/2014/main" id="{A6094D33-C3ED-B1F7-8089-841AE166293D}"/>
-              </a:ext>
-            </a:extLst>
-          </p:cNvPr>
-          <p:cNvCxnSpPr>
-            <a:cxnSpLocks/>
-            <a:endCxn id="89" idx="0"/>
-          </p:cNvCxnSpPr>
-          <p:nvPr/>
-        </p:nvCxnSpPr>
-        <p:spPr>
-          <a:xfrm>
-            <a:off x="2710646" y="3640116"/>
-            <a:ext cx="0" cy="179658"/>
-          </a:xfrm>
-          <a:prstGeom prst="straightConnector1">
-            <a:avLst/>
-          </a:prstGeom>
-          <a:ln>
-            <a:tailEnd type="triangle"/>
-          </a:ln>
-        </p:spPr>
-        <p:style>
-          <a:lnRef idx="1">
-            <a:schemeClr val="dk1"/>
-          </a:lnRef>
-          <a:fillRef idx="0">
-            <a:schemeClr val="dk1"/>
-          </a:fillRef>
-          <a:effectRef idx="0">
-            <a:schemeClr val="dk1"/>
-          </a:effectRef>
-          <a:fontRef idx="minor">
-            <a:schemeClr val="tx1"/>
-          </a:fontRef>
-        </p:style>
-      </p:cxnSp>
-      <p:sp>
-        <p:nvSpPr>
-          <p:cNvPr id="89" name="TextBox 88">
-            <a:extLst>
-              <a:ext uri="{FF2B5EF4-FFF2-40B4-BE49-F238E27FC236}">
-                <a16:creationId xmlns:a16="http://schemas.microsoft.com/office/drawing/2014/main" id="{5BD35678-4866-055E-A8DA-9E665B59E12E}"/>
-              </a:ext>
-            </a:extLst>
-          </p:cNvPr>
-          <p:cNvSpPr txBox="1"/>
-          <p:nvPr/>
-        </p:nvSpPr>
-        <p:spPr>
-          <a:xfrm>
-            <a:off x="2098086" y="3819774"/>
-            <a:ext cx="1225120" cy="338554"/>
-          </a:xfrm>
-          <a:prstGeom prst="rect">
-            <a:avLst/>
-          </a:prstGeom>
-          <a:noFill/>
-          <a:ln>
-            <a:solidFill>
-              <a:schemeClr val="tx1"/>
-            </a:solidFill>
-          </a:ln>
-        </p:spPr>
-        <p:txBody>
-          <a:bodyPr wrap="square" rtlCol="0">
-            <a:spAutoFit/>
-          </a:bodyPr>
-          <a:lstStyle/>
-          <a:p>
-            <a:r>
-              <a:rPr lang="en-US" sz="800" dirty="0"/>
-              <a:t>1/396 (0.3%)</a:t>
-            </a:r>
-          </a:p>
-          <a:p>
-            <a:r>
-              <a:rPr lang="en-US" sz="800" dirty="0" err="1"/>
-              <a:t>ciTBI</a:t>
-            </a:r>
-            <a:endParaRPr lang="en-US" sz="800" dirty="0"/>
-          </a:p>
-        </p:txBody>
-      </p:sp>
-      <p:cxnSp>
-        <p:nvCxnSpPr>
-          <p:cNvPr id="91" name="Straight Arrow Connector 90">
-            <a:extLst>
-              <a:ext uri="{FF2B5EF4-FFF2-40B4-BE49-F238E27FC236}">
-                <a16:creationId xmlns:a16="http://schemas.microsoft.com/office/drawing/2014/main" id="{39043019-18F3-7D86-A008-DE42C96155E8}"/>
-              </a:ext>
-            </a:extLst>
-          </p:cNvPr>
-          <p:cNvCxnSpPr>
-            <a:cxnSpLocks/>
-            <a:stCxn id="87" idx="2"/>
-            <a:endCxn id="92" idx="0"/>
-          </p:cNvCxnSpPr>
-          <p:nvPr/>
-        </p:nvCxnSpPr>
-        <p:spPr>
-          <a:xfrm>
-            <a:off x="1198485" y="4161408"/>
-            <a:ext cx="0" cy="286306"/>
-          </a:xfrm>
-          <a:prstGeom prst="straightConnector1">
-            <a:avLst/>
-          </a:prstGeom>
-          <a:ln>
-            <a:tailEnd type="triangle"/>
-          </a:ln>
-        </p:spPr>
-        <p:style>
-          <a:lnRef idx="1">
-            <a:schemeClr val="dk1"/>
-          </a:lnRef>
-          <a:fillRef idx="0">
-            <a:schemeClr val="dk1"/>
-          </a:fillRef>
-          <a:effectRef idx="0">
-            <a:schemeClr val="dk1"/>
-          </a:effectRef>
-          <a:fontRef idx="minor">
-            <a:schemeClr val="tx1"/>
-          </a:fontRef>
-        </p:style>
-      </p:cxnSp>
-      <p:sp>
-        <p:nvSpPr>
-          <p:cNvPr id="92" name="TextBox 91">
-            <a:extLst>
-              <a:ext uri="{FF2B5EF4-FFF2-40B4-BE49-F238E27FC236}">
-                <a16:creationId xmlns:a16="http://schemas.microsoft.com/office/drawing/2014/main" id="{82487679-327C-DE45-A1EA-83D505DC0490}"/>
-              </a:ext>
-            </a:extLst>
-          </p:cNvPr>
-          <p:cNvSpPr txBox="1"/>
-          <p:nvPr/>
-        </p:nvSpPr>
-        <p:spPr>
-          <a:xfrm>
-            <a:off x="585925" y="4447714"/>
-            <a:ext cx="1225120" cy="215444"/>
-          </a:xfrm>
-          <a:prstGeom prst="rect">
-            <a:avLst/>
-          </a:prstGeom>
-          <a:noFill/>
-          <a:ln>
-            <a:solidFill>
-              <a:schemeClr val="tx1"/>
-            </a:solidFill>
-          </a:ln>
-        </p:spPr>
-        <p:txBody>
-          <a:bodyPr wrap="square" rtlCol="0">
-            <a:spAutoFit/>
-          </a:bodyPr>
-          <a:lstStyle/>
-          <a:p>
-            <a:r>
-              <a:rPr lang="en-US" sz="800" dirty="0" err="1"/>
-              <a:t>HemaSize</a:t>
-            </a:r>
-            <a:endParaRPr lang="en-US" sz="800" dirty="0"/>
-          </a:p>
-        </p:txBody>
-      </p:sp>
-      <p:cxnSp>
-        <p:nvCxnSpPr>
-          <p:cNvPr id="94" name="Straight Connector 93">
-            <a:extLst>
-              <a:ext uri="{FF2B5EF4-FFF2-40B4-BE49-F238E27FC236}">
-                <a16:creationId xmlns:a16="http://schemas.microsoft.com/office/drawing/2014/main" id="{C471652D-A404-357C-8999-B62578D6C374}"/>
-              </a:ext>
-            </a:extLst>
-          </p:cNvPr>
-          <p:cNvCxnSpPr>
-            <a:cxnSpLocks/>
-          </p:cNvCxnSpPr>
-          <p:nvPr/>
-        </p:nvCxnSpPr>
-        <p:spPr>
-          <a:xfrm flipV="1">
-            <a:off x="1198485" y="4785778"/>
-            <a:ext cx="1512161" cy="6228"/>
-          </a:xfrm>
-          <a:prstGeom prst="line">
-            <a:avLst/>
-          </a:prstGeom>
-        </p:spPr>
-        <p:style>
-          <a:lnRef idx="1">
-            <a:schemeClr val="dk1"/>
-          </a:lnRef>
-          <a:fillRef idx="0">
-            <a:schemeClr val="dk1"/>
-          </a:fillRef>
-          <a:effectRef idx="0">
-            <a:schemeClr val="dk1"/>
-          </a:effectRef>
-          <a:fontRef idx="minor">
-            <a:schemeClr val="tx1"/>
-          </a:fontRef>
-        </p:style>
-      </p:cxnSp>
-      <p:cxnSp>
-        <p:nvCxnSpPr>
-          <p:cNvPr id="95" name="Straight Arrow Connector 94">
-            <a:extLst>
-              <a:ext uri="{FF2B5EF4-FFF2-40B4-BE49-F238E27FC236}">
-                <a16:creationId xmlns:a16="http://schemas.microsoft.com/office/drawing/2014/main" id="{2A6ED63C-170B-BF89-BEBE-30E27AD59833}"/>
-              </a:ext>
-            </a:extLst>
-          </p:cNvPr>
-          <p:cNvCxnSpPr>
-            <a:cxnSpLocks/>
-            <a:stCxn id="92" idx="2"/>
-            <a:endCxn id="96" idx="0"/>
-          </p:cNvCxnSpPr>
-          <p:nvPr/>
-        </p:nvCxnSpPr>
-        <p:spPr>
-          <a:xfrm>
-            <a:off x="1198485" y="4663158"/>
-            <a:ext cx="0" cy="305358"/>
-          </a:xfrm>
-          <a:prstGeom prst="straightConnector1">
-            <a:avLst/>
-          </a:prstGeom>
-          <a:ln>
-            <a:tailEnd type="triangle"/>
-          </a:ln>
-        </p:spPr>
-        <p:style>
-          <a:lnRef idx="1">
-            <a:schemeClr val="dk1"/>
-          </a:lnRef>
-          <a:fillRef idx="0">
-            <a:schemeClr val="dk1"/>
-          </a:fillRef>
-          <a:effectRef idx="0">
-            <a:schemeClr val="dk1"/>
-          </a:effectRef>
-          <a:fontRef idx="minor">
-            <a:schemeClr val="tx1"/>
-          </a:fontRef>
-        </p:style>
-      </p:cxnSp>
-      <p:sp>
-        <p:nvSpPr>
-          <p:cNvPr id="96" name="TextBox 95">
-            <a:extLst>
-              <a:ext uri="{FF2B5EF4-FFF2-40B4-BE49-F238E27FC236}">
-                <a16:creationId xmlns:a16="http://schemas.microsoft.com/office/drawing/2014/main" id="{EC1B24D3-7E27-C615-B104-07C6CC2E7123}"/>
-              </a:ext>
-            </a:extLst>
-          </p:cNvPr>
-          <p:cNvSpPr txBox="1"/>
-          <p:nvPr/>
-        </p:nvSpPr>
-        <p:spPr>
-          <a:xfrm>
-            <a:off x="585925" y="4968516"/>
-            <a:ext cx="1225120" cy="338554"/>
-          </a:xfrm>
-          <a:prstGeom prst="rect">
-            <a:avLst/>
-          </a:prstGeom>
-          <a:noFill/>
-          <a:ln>
-            <a:solidFill>
-              <a:schemeClr val="tx1"/>
-            </a:solidFill>
-          </a:ln>
-        </p:spPr>
-        <p:txBody>
-          <a:bodyPr wrap="square" rtlCol="0">
-            <a:spAutoFit/>
-          </a:bodyPr>
-          <a:lstStyle/>
-          <a:p>
-            <a:r>
-              <a:rPr lang="en-US" sz="800" dirty="0"/>
-              <a:t>0/1411 (0.0%)</a:t>
-            </a:r>
-          </a:p>
-          <a:p>
-            <a:r>
-              <a:rPr lang="en-US" sz="800" dirty="0" err="1"/>
-              <a:t>ciTBI</a:t>
-            </a:r>
-            <a:endParaRPr lang="en-US" sz="800" dirty="0"/>
-          </a:p>
-        </p:txBody>
-      </p:sp>
-      <p:cxnSp>
-        <p:nvCxnSpPr>
-          <p:cNvPr id="97" name="Straight Arrow Connector 96">
-            <a:extLst>
-              <a:ext uri="{FF2B5EF4-FFF2-40B4-BE49-F238E27FC236}">
-                <a16:creationId xmlns:a16="http://schemas.microsoft.com/office/drawing/2014/main" id="{B813B0E7-67B5-E023-755A-E17D881300A4}"/>
-              </a:ext>
-            </a:extLst>
-          </p:cNvPr>
-          <p:cNvCxnSpPr>
-            <a:cxnSpLocks/>
-            <a:endCxn id="98" idx="0"/>
-          </p:cNvCxnSpPr>
-          <p:nvPr/>
-        </p:nvCxnSpPr>
-        <p:spPr>
-          <a:xfrm>
-            <a:off x="2710646" y="4785778"/>
-            <a:ext cx="0" cy="179658"/>
-          </a:xfrm>
-          <a:prstGeom prst="straightConnector1">
-            <a:avLst/>
-          </a:prstGeom>
-          <a:ln>
-            <a:tailEnd type="triangle"/>
-          </a:ln>
-        </p:spPr>
-        <p:style>
-          <a:lnRef idx="1">
-            <a:schemeClr val="dk1"/>
-          </a:lnRef>
-          <a:fillRef idx="0">
-            <a:schemeClr val="dk1"/>
-          </a:fillRef>
-          <a:effectRef idx="0">
-            <a:schemeClr val="dk1"/>
-          </a:effectRef>
-          <a:fontRef idx="minor">
-            <a:schemeClr val="tx1"/>
-          </a:fontRef>
-        </p:style>
-      </p:cxnSp>
-      <p:sp>
-        <p:nvSpPr>
-          <p:cNvPr id="98" name="TextBox 97">
-            <a:extLst>
-              <a:ext uri="{FF2B5EF4-FFF2-40B4-BE49-F238E27FC236}">
-                <a16:creationId xmlns:a16="http://schemas.microsoft.com/office/drawing/2014/main" id="{BE5FF043-85D9-78AC-2720-664D5DF26170}"/>
-              </a:ext>
-            </a:extLst>
-          </p:cNvPr>
-          <p:cNvSpPr txBox="1"/>
-          <p:nvPr/>
-        </p:nvSpPr>
-        <p:spPr>
-          <a:xfrm>
-            <a:off x="2098086" y="4965436"/>
-            <a:ext cx="1225120" cy="338554"/>
-          </a:xfrm>
-          <a:prstGeom prst="rect">
-            <a:avLst/>
-          </a:prstGeom>
-          <a:noFill/>
-          <a:ln>
-            <a:solidFill>
-              <a:schemeClr val="tx1"/>
-            </a:solidFill>
-          </a:ln>
-        </p:spPr>
-        <p:txBody>
-          <a:bodyPr wrap="square" rtlCol="0">
-            <a:spAutoFit/>
-          </a:bodyPr>
-          <a:lstStyle/>
-          <a:p>
-            <a:r>
-              <a:rPr lang="en-US" sz="800" dirty="0"/>
-              <a:t>1/387 (0.26%)</a:t>
-            </a:r>
-          </a:p>
-          <a:p>
-            <a:r>
-              <a:rPr lang="en-US" sz="800" dirty="0" err="1"/>
-              <a:t>ciTBI</a:t>
-            </a:r>
-            <a:endParaRPr lang="en-US" sz="800" dirty="0"/>
-          </a:p>
-        </p:txBody>
-      </p:sp>
+        </p:spPr>
+      </p:pic>
     </p:spTree>
     <p:extLst>
       <p:ext uri="{BB962C8B-B14F-4D97-AF65-F5344CB8AC3E}">
-        <p14:creationId xmlns:p14="http://schemas.microsoft.com/office/powerpoint/2010/main" val="910214221"/>
+        <p14:creationId xmlns:p14="http://schemas.microsoft.com/office/powerpoint/2010/main" val="137149613"/>
       </p:ext>
     </p:extLst>
   </p:cSld>
